--- a/report_presentation.pptx
+++ b/report_presentation.pptx
@@ -5,27 +5,30 @@
     <p:sldMasterId id="2147483648" r:id="rId4"/>
   </p:sldMasterIdLst>
   <p:notesMasterIdLst>
-    <p:notesMasterId r:id="rId20"/>
+    <p:notesMasterId r:id="rId23"/>
   </p:notesMasterIdLst>
   <p:handoutMasterIdLst>
-    <p:handoutMasterId r:id="rId21"/>
+    <p:handoutMasterId r:id="rId24"/>
   </p:handoutMasterIdLst>
   <p:sldIdLst>
     <p:sldId id="256" r:id="rId5"/>
-    <p:sldId id="257" r:id="rId6"/>
-    <p:sldId id="285" r:id="rId7"/>
-    <p:sldId id="260" r:id="rId8"/>
-    <p:sldId id="286" r:id="rId9"/>
-    <p:sldId id="258" r:id="rId10"/>
-    <p:sldId id="261" r:id="rId11"/>
-    <p:sldId id="287" r:id="rId12"/>
-    <p:sldId id="288" r:id="rId13"/>
-    <p:sldId id="262" r:id="rId14"/>
-    <p:sldId id="283" r:id="rId15"/>
-    <p:sldId id="264" r:id="rId16"/>
-    <p:sldId id="266" r:id="rId17"/>
-    <p:sldId id="284" r:id="rId18"/>
-    <p:sldId id="269" r:id="rId19"/>
+    <p:sldId id="258" r:id="rId6"/>
+    <p:sldId id="257" r:id="rId7"/>
+    <p:sldId id="261" r:id="rId8"/>
+    <p:sldId id="285" r:id="rId9"/>
+    <p:sldId id="260" r:id="rId10"/>
+    <p:sldId id="291" r:id="rId11"/>
+    <p:sldId id="289" r:id="rId12"/>
+    <p:sldId id="286" r:id="rId13"/>
+    <p:sldId id="290" r:id="rId14"/>
+    <p:sldId id="292" r:id="rId15"/>
+    <p:sldId id="287" r:id="rId16"/>
+    <p:sldId id="262" r:id="rId17"/>
+    <p:sldId id="283" r:id="rId18"/>
+    <p:sldId id="264" r:id="rId19"/>
+    <p:sldId id="266" r:id="rId20"/>
+    <p:sldId id="284" r:id="rId21"/>
+    <p:sldId id="269" r:id="rId22"/>
   </p:sldIdLst>
   <p:sldSz cx="12192000" cy="6858000"/>
   <p:notesSz cx="6858000" cy="9144000"/>
@@ -144,6 +147,267 @@
     </p:ext>
   </p:extLst>
 </p:presentation>
+</file>
+
+<file path=ppt/revisionInfo.xml><?xml version="1.0" encoding="utf-8"?>
+<p1510:revInfo xmlns:a="http://schemas.openxmlformats.org/drawingml/2006/main" xmlns:r="http://schemas.openxmlformats.org/officeDocument/2006/relationships" xmlns:p1510="http://schemas.microsoft.com/office/powerpoint/2015/10/main">
+  <p1510:revLst>
+    <p1510:client id="{C7A7ECF9-9CED-4093-8646-78E15AF0EC69}" v="7" dt="2023-01-16T18:03:33.450"/>
+  </p1510:revLst>
+</p1510:revInfo>
+</file>
+
+<file path=ppt/changesInfos/changesInfo1.xml><?xml version="1.0" encoding="utf-8"?>
+<pc:chgInfo xmlns:a="http://schemas.openxmlformats.org/drawingml/2006/main" xmlns:r="http://schemas.openxmlformats.org/officeDocument/2006/relationships" xmlns:ac="http://schemas.microsoft.com/office/drawing/2013/main/command" xmlns:pc="http://schemas.microsoft.com/office/powerpoint/2013/main/command">
+  <pc:docChgLst>
+    <pc:chgData name="Vasileios Ntaoulas" userId="019b8d86-4639-4c0e-a76e-43d098cf21e7" providerId="ADAL" clId="{C7A7ECF9-9CED-4093-8646-78E15AF0EC69}"/>
+    <pc:docChg chg="undo custSel addSld delSld modSld sldOrd">
+      <pc:chgData name="Vasileios Ntaoulas" userId="019b8d86-4639-4c0e-a76e-43d098cf21e7" providerId="ADAL" clId="{C7A7ECF9-9CED-4093-8646-78E15AF0EC69}" dt="2023-01-16T18:11:58.323" v="516" actId="478"/>
+      <pc:docMkLst>
+        <pc:docMk/>
+      </pc:docMkLst>
+      <pc:sldChg chg="modSp mod ord">
+        <pc:chgData name="Vasileios Ntaoulas" userId="019b8d86-4639-4c0e-a76e-43d098cf21e7" providerId="ADAL" clId="{C7A7ECF9-9CED-4093-8646-78E15AF0EC69}" dt="2023-01-16T17:43:35.448" v="76" actId="1076"/>
+        <pc:sldMkLst>
+          <pc:docMk/>
+          <pc:sldMk cId="3733486012" sldId="258"/>
+        </pc:sldMkLst>
+        <pc:spChg chg="mod">
+          <ac:chgData name="Vasileios Ntaoulas" userId="019b8d86-4639-4c0e-a76e-43d098cf21e7" providerId="ADAL" clId="{C7A7ECF9-9CED-4093-8646-78E15AF0EC69}" dt="2023-01-16T17:43:23.665" v="75" actId="403"/>
+          <ac:spMkLst>
+            <pc:docMk/>
+            <pc:sldMk cId="3733486012" sldId="258"/>
+            <ac:spMk id="7" creationId="{7875C19A-1AAE-476A-A316-A2CF92D763D3}"/>
+          </ac:spMkLst>
+        </pc:spChg>
+        <pc:spChg chg="mod">
+          <ac:chgData name="Vasileios Ntaoulas" userId="019b8d86-4639-4c0e-a76e-43d098cf21e7" providerId="ADAL" clId="{C7A7ECF9-9CED-4093-8646-78E15AF0EC69}" dt="2023-01-16T17:43:35.448" v="76" actId="1076"/>
+          <ac:spMkLst>
+            <pc:docMk/>
+            <pc:sldMk cId="3733486012" sldId="258"/>
+            <ac:spMk id="10" creationId="{EF2BC084-E6DB-4DE7-B309-042A85EBA700}"/>
+          </ac:spMkLst>
+        </pc:spChg>
+      </pc:sldChg>
+      <pc:sldChg chg="addSp delSp modSp mod ord">
+        <pc:chgData name="Vasileios Ntaoulas" userId="019b8d86-4639-4c0e-a76e-43d098cf21e7" providerId="ADAL" clId="{C7A7ECF9-9CED-4093-8646-78E15AF0EC69}" dt="2023-01-16T18:07:25.780" v="486" actId="1076"/>
+        <pc:sldMkLst>
+          <pc:docMk/>
+          <pc:sldMk cId="3607270498" sldId="261"/>
+        </pc:sldMkLst>
+        <pc:spChg chg="del">
+          <ac:chgData name="Vasileios Ntaoulas" userId="019b8d86-4639-4c0e-a76e-43d098cf21e7" providerId="ADAL" clId="{C7A7ECF9-9CED-4093-8646-78E15AF0EC69}" dt="2023-01-16T17:50:12.648" v="118" actId="478"/>
+          <ac:spMkLst>
+            <pc:docMk/>
+            <pc:sldMk cId="3607270498" sldId="261"/>
+            <ac:spMk id="5" creationId="{E0C87788-476B-4620-8002-A5C1177AD6C1}"/>
+          </ac:spMkLst>
+        </pc:spChg>
+        <pc:spChg chg="del">
+          <ac:chgData name="Vasileios Ntaoulas" userId="019b8d86-4639-4c0e-a76e-43d098cf21e7" providerId="ADAL" clId="{C7A7ECF9-9CED-4093-8646-78E15AF0EC69}" dt="2023-01-16T17:50:15.779" v="120" actId="478"/>
+          <ac:spMkLst>
+            <pc:docMk/>
+            <pc:sldMk cId="3607270498" sldId="261"/>
+            <ac:spMk id="6" creationId="{000A9570-5EF6-4AFB-9FCA-7C8998E3FEB1}"/>
+          </ac:spMkLst>
+        </pc:spChg>
+        <pc:spChg chg="mod">
+          <ac:chgData name="Vasileios Ntaoulas" userId="019b8d86-4639-4c0e-a76e-43d098cf21e7" providerId="ADAL" clId="{C7A7ECF9-9CED-4093-8646-78E15AF0EC69}" dt="2023-01-16T18:03:18.820" v="239" actId="20577"/>
+          <ac:spMkLst>
+            <pc:docMk/>
+            <pc:sldMk cId="3607270498" sldId="261"/>
+            <ac:spMk id="7" creationId="{B74126B4-1E6C-4FFF-9282-40E18A85A07F}"/>
+          </ac:spMkLst>
+        </pc:spChg>
+        <pc:spChg chg="mod">
+          <ac:chgData name="Vasileios Ntaoulas" userId="019b8d86-4639-4c0e-a76e-43d098cf21e7" providerId="ADAL" clId="{C7A7ECF9-9CED-4093-8646-78E15AF0EC69}" dt="2023-01-16T17:50:59.294" v="128" actId="1076"/>
+          <ac:spMkLst>
+            <pc:docMk/>
+            <pc:sldMk cId="3607270498" sldId="261"/>
+            <ac:spMk id="8" creationId="{47DC4E62-1A34-4F98-A451-214F1808519C}"/>
+          </ac:spMkLst>
+        </pc:spChg>
+        <pc:spChg chg="add del mod">
+          <ac:chgData name="Vasileios Ntaoulas" userId="019b8d86-4639-4c0e-a76e-43d098cf21e7" providerId="ADAL" clId="{C7A7ECF9-9CED-4093-8646-78E15AF0EC69}" dt="2023-01-16T17:50:14.064" v="119" actId="478"/>
+          <ac:spMkLst>
+            <pc:docMk/>
+            <pc:sldMk cId="3607270498" sldId="261"/>
+            <ac:spMk id="9" creationId="{B4887FCA-38FD-CC89-7E74-87258A493524}"/>
+          </ac:spMkLst>
+        </pc:spChg>
+        <pc:spChg chg="add del mod">
+          <ac:chgData name="Vasileios Ntaoulas" userId="019b8d86-4639-4c0e-a76e-43d098cf21e7" providerId="ADAL" clId="{C7A7ECF9-9CED-4093-8646-78E15AF0EC69}" dt="2023-01-16T17:50:16.608" v="121" actId="478"/>
+          <ac:spMkLst>
+            <pc:docMk/>
+            <pc:sldMk cId="3607270498" sldId="261"/>
+            <ac:spMk id="11" creationId="{7A06C2CF-FA1F-A745-23D5-932869DB56D5}"/>
+          </ac:spMkLst>
+        </pc:spChg>
+        <pc:spChg chg="add mod">
+          <ac:chgData name="Vasileios Ntaoulas" userId="019b8d86-4639-4c0e-a76e-43d098cf21e7" providerId="ADAL" clId="{C7A7ECF9-9CED-4093-8646-78E15AF0EC69}" dt="2023-01-16T18:07:25.780" v="486" actId="1076"/>
+          <ac:spMkLst>
+            <pc:docMk/>
+            <pc:sldMk cId="3607270498" sldId="261"/>
+            <ac:spMk id="16" creationId="{6E9C669F-25DE-441B-66D9-A361F6749E30}"/>
+          </ac:spMkLst>
+        </pc:spChg>
+        <pc:picChg chg="add del mod">
+          <ac:chgData name="Vasileios Ntaoulas" userId="019b8d86-4639-4c0e-a76e-43d098cf21e7" providerId="ADAL" clId="{C7A7ECF9-9CED-4093-8646-78E15AF0EC69}" dt="2023-01-16T17:51:21.355" v="134" actId="478"/>
+          <ac:picMkLst>
+            <pc:docMk/>
+            <pc:sldMk cId="3607270498" sldId="261"/>
+            <ac:picMk id="13" creationId="{3CCEB79B-2FF9-7615-E3DF-A151D39B300D}"/>
+          </ac:picMkLst>
+        </pc:picChg>
+        <pc:picChg chg="add mod">
+          <ac:chgData name="Vasileios Ntaoulas" userId="019b8d86-4639-4c0e-a76e-43d098cf21e7" providerId="ADAL" clId="{C7A7ECF9-9CED-4093-8646-78E15AF0EC69}" dt="2023-01-16T17:51:37.968" v="141" actId="14100"/>
+          <ac:picMkLst>
+            <pc:docMk/>
+            <pc:sldMk cId="3607270498" sldId="261"/>
+            <ac:picMk id="15" creationId="{D9589739-B711-59A2-F023-EFC9A664C867}"/>
+          </ac:picMkLst>
+        </pc:picChg>
+      </pc:sldChg>
+      <pc:sldChg chg="mod">
+        <pc:chgData name="Vasileios Ntaoulas" userId="019b8d86-4639-4c0e-a76e-43d098cf21e7" providerId="ADAL" clId="{C7A7ECF9-9CED-4093-8646-78E15AF0EC69}" dt="2023-01-16T17:46:05.702" v="93" actId="27918"/>
+        <pc:sldMkLst>
+          <pc:docMk/>
+          <pc:sldMk cId="3322300142" sldId="284"/>
+        </pc:sldMkLst>
+      </pc:sldChg>
+      <pc:sldChg chg="modSp mod">
+        <pc:chgData name="Vasileios Ntaoulas" userId="019b8d86-4639-4c0e-a76e-43d098cf21e7" providerId="ADAL" clId="{C7A7ECF9-9CED-4093-8646-78E15AF0EC69}" dt="2023-01-16T17:44:36.084" v="90" actId="20577"/>
+        <pc:sldMkLst>
+          <pc:docMk/>
+          <pc:sldMk cId="2229238531" sldId="287"/>
+        </pc:sldMkLst>
+        <pc:spChg chg="mod">
+          <ac:chgData name="Vasileios Ntaoulas" userId="019b8d86-4639-4c0e-a76e-43d098cf21e7" providerId="ADAL" clId="{C7A7ECF9-9CED-4093-8646-78E15AF0EC69}" dt="2023-01-16T17:44:36.084" v="90" actId="20577"/>
+          <ac:spMkLst>
+            <pc:docMk/>
+            <pc:sldMk cId="2229238531" sldId="287"/>
+            <ac:spMk id="4" creationId="{315E3981-F0D7-482C-A8E0-6A57700BECA7}"/>
+          </ac:spMkLst>
+        </pc:spChg>
+      </pc:sldChg>
+      <pc:sldChg chg="del">
+        <pc:chgData name="Vasileios Ntaoulas" userId="019b8d86-4639-4c0e-a76e-43d098cf21e7" providerId="ADAL" clId="{C7A7ECF9-9CED-4093-8646-78E15AF0EC69}" dt="2023-01-16T17:44:40.245" v="91" actId="47"/>
+        <pc:sldMkLst>
+          <pc:docMk/>
+          <pc:sldMk cId="2687334512" sldId="288"/>
+        </pc:sldMkLst>
+      </pc:sldChg>
+      <pc:sldChg chg="modSp add mod ord">
+        <pc:chgData name="Vasileios Ntaoulas" userId="019b8d86-4639-4c0e-a76e-43d098cf21e7" providerId="ADAL" clId="{C7A7ECF9-9CED-4093-8646-78E15AF0EC69}" dt="2023-01-16T17:43:48.912" v="77" actId="20577"/>
+        <pc:sldMkLst>
+          <pc:docMk/>
+          <pc:sldMk cId="458156879" sldId="289"/>
+        </pc:sldMkLst>
+        <pc:spChg chg="mod">
+          <ac:chgData name="Vasileios Ntaoulas" userId="019b8d86-4639-4c0e-a76e-43d098cf21e7" providerId="ADAL" clId="{C7A7ECF9-9CED-4093-8646-78E15AF0EC69}" dt="2023-01-16T17:43:48.912" v="77" actId="20577"/>
+          <ac:spMkLst>
+            <pc:docMk/>
+            <pc:sldMk cId="458156879" sldId="289"/>
+            <ac:spMk id="4" creationId="{315E3981-F0D7-482C-A8E0-6A57700BECA7}"/>
+          </ac:spMkLst>
+        </pc:spChg>
+      </pc:sldChg>
+      <pc:sldChg chg="modSp add mod">
+        <pc:chgData name="Vasileios Ntaoulas" userId="019b8d86-4639-4c0e-a76e-43d098cf21e7" providerId="ADAL" clId="{C7A7ECF9-9CED-4093-8646-78E15AF0EC69}" dt="2023-01-16T17:44:29.758" v="89" actId="14100"/>
+        <pc:sldMkLst>
+          <pc:docMk/>
+          <pc:sldMk cId="660312521" sldId="290"/>
+        </pc:sldMkLst>
+        <pc:spChg chg="mod">
+          <ac:chgData name="Vasileios Ntaoulas" userId="019b8d86-4639-4c0e-a76e-43d098cf21e7" providerId="ADAL" clId="{C7A7ECF9-9CED-4093-8646-78E15AF0EC69}" dt="2023-01-16T17:44:29.758" v="89" actId="14100"/>
+          <ac:spMkLst>
+            <pc:docMk/>
+            <pc:sldMk cId="660312521" sldId="290"/>
+            <ac:spMk id="4" creationId="{BD179B88-D43C-4A31-9A52-3498E9430782}"/>
+          </ac:spMkLst>
+        </pc:spChg>
+      </pc:sldChg>
+      <pc:sldChg chg="addSp delSp modSp add mod">
+        <pc:chgData name="Vasileios Ntaoulas" userId="019b8d86-4639-4c0e-a76e-43d098cf21e7" providerId="ADAL" clId="{C7A7ECF9-9CED-4093-8646-78E15AF0EC69}" dt="2023-01-16T18:00:06.773" v="238" actId="20577"/>
+        <pc:sldMkLst>
+          <pc:docMk/>
+          <pc:sldMk cId="1860213860" sldId="291"/>
+        </pc:sldMkLst>
+        <pc:spChg chg="mod">
+          <ac:chgData name="Vasileios Ntaoulas" userId="019b8d86-4639-4c0e-a76e-43d098cf21e7" providerId="ADAL" clId="{C7A7ECF9-9CED-4093-8646-78E15AF0EC69}" dt="2023-01-16T17:52:55.539" v="143" actId="20577"/>
+          <ac:spMkLst>
+            <pc:docMk/>
+            <pc:sldMk cId="1860213860" sldId="291"/>
+            <ac:spMk id="4" creationId="{315E3981-F0D7-482C-A8E0-6A57700BECA7}"/>
+          </ac:spMkLst>
+        </pc:spChg>
+        <pc:spChg chg="mod">
+          <ac:chgData name="Vasileios Ntaoulas" userId="019b8d86-4639-4c0e-a76e-43d098cf21e7" providerId="ADAL" clId="{C7A7ECF9-9CED-4093-8646-78E15AF0EC69}" dt="2023-01-16T18:00:06.773" v="238" actId="20577"/>
+          <ac:spMkLst>
+            <pc:docMk/>
+            <pc:sldMk cId="1860213860" sldId="291"/>
+            <ac:spMk id="7" creationId="{B74126B4-1E6C-4FFF-9282-40E18A85A07F}"/>
+          </ac:spMkLst>
+        </pc:spChg>
+        <pc:picChg chg="add mod">
+          <ac:chgData name="Vasileios Ntaoulas" userId="019b8d86-4639-4c0e-a76e-43d098cf21e7" providerId="ADAL" clId="{C7A7ECF9-9CED-4093-8646-78E15AF0EC69}" dt="2023-01-16T18:00:00.508" v="215" actId="1076"/>
+          <ac:picMkLst>
+            <pc:docMk/>
+            <pc:sldMk cId="1860213860" sldId="291"/>
+            <ac:picMk id="5" creationId="{B69555C9-7325-6F14-D9A5-37C0EA259D7A}"/>
+          </ac:picMkLst>
+        </pc:picChg>
+        <pc:picChg chg="add del">
+          <ac:chgData name="Vasileios Ntaoulas" userId="019b8d86-4639-4c0e-a76e-43d098cf21e7" providerId="ADAL" clId="{C7A7ECF9-9CED-4093-8646-78E15AF0EC69}" dt="2023-01-16T17:54:30.028" v="154" actId="478"/>
+          <ac:picMkLst>
+            <pc:docMk/>
+            <pc:sldMk cId="1860213860" sldId="291"/>
+            <ac:picMk id="15" creationId="{D9589739-B711-59A2-F023-EFC9A664C867}"/>
+          </ac:picMkLst>
+        </pc:picChg>
+      </pc:sldChg>
+      <pc:sldChg chg="delSp modSp add mod">
+        <pc:chgData name="Vasileios Ntaoulas" userId="019b8d86-4639-4c0e-a76e-43d098cf21e7" providerId="ADAL" clId="{C7A7ECF9-9CED-4093-8646-78E15AF0EC69}" dt="2023-01-16T18:11:58.323" v="516" actId="478"/>
+        <pc:sldMkLst>
+          <pc:docMk/>
+          <pc:sldMk cId="905488132" sldId="292"/>
+        </pc:sldMkLst>
+        <pc:spChg chg="mod">
+          <ac:chgData name="Vasileios Ntaoulas" userId="019b8d86-4639-4c0e-a76e-43d098cf21e7" providerId="ADAL" clId="{C7A7ECF9-9CED-4093-8646-78E15AF0EC69}" dt="2023-01-16T18:09:03.724" v="488" actId="20577"/>
+          <ac:spMkLst>
+            <pc:docMk/>
+            <pc:sldMk cId="905488132" sldId="292"/>
+            <ac:spMk id="4" creationId="{315E3981-F0D7-482C-A8E0-6A57700BECA7}"/>
+          </ac:spMkLst>
+        </pc:spChg>
+        <pc:spChg chg="mod">
+          <ac:chgData name="Vasileios Ntaoulas" userId="019b8d86-4639-4c0e-a76e-43d098cf21e7" providerId="ADAL" clId="{C7A7ECF9-9CED-4093-8646-78E15AF0EC69}" dt="2023-01-16T18:11:55.729" v="514" actId="114"/>
+          <ac:spMkLst>
+            <pc:docMk/>
+            <pc:sldMk cId="905488132" sldId="292"/>
+            <ac:spMk id="7" creationId="{B74126B4-1E6C-4FFF-9282-40E18A85A07F}"/>
+          </ac:spMkLst>
+        </pc:spChg>
+        <pc:picChg chg="del">
+          <ac:chgData name="Vasileios Ntaoulas" userId="019b8d86-4639-4c0e-a76e-43d098cf21e7" providerId="ADAL" clId="{C7A7ECF9-9CED-4093-8646-78E15AF0EC69}" dt="2023-01-16T18:11:57.724" v="515" actId="478"/>
+          <ac:picMkLst>
+            <pc:docMk/>
+            <pc:sldMk cId="905488132" sldId="292"/>
+            <ac:picMk id="5" creationId="{B69555C9-7325-6F14-D9A5-37C0EA259D7A}"/>
+          </ac:picMkLst>
+        </pc:picChg>
+        <pc:picChg chg="del">
+          <ac:chgData name="Vasileios Ntaoulas" userId="019b8d86-4639-4c0e-a76e-43d098cf21e7" providerId="ADAL" clId="{C7A7ECF9-9CED-4093-8646-78E15AF0EC69}" dt="2023-01-16T18:11:58.323" v="516" actId="478"/>
+          <ac:picMkLst>
+            <pc:docMk/>
+            <pc:sldMk cId="905488132" sldId="292"/>
+            <ac:picMk id="15" creationId="{D9589739-B711-59A2-F023-EFC9A664C867}"/>
+          </ac:picMkLst>
+        </pc:picChg>
+      </pc:sldChg>
+    </pc:docChg>
+  </pc:docChgLst>
+</pc:chgInfo>
 </file>
 
 <file path=ppt/charts/chart1.xml><?xml version="1.0" encoding="utf-8"?>
@@ -1151,7 +1415,7 @@
           <a:p>
             <a:fld id="{1CA5457B-CDAE-4DEB-AEC8-C82DE2312E37}" type="datetimeFigureOut">
               <a:rPr lang="en-US" smtClean="0"/>
-              <a:t>1/5/2023</a:t>
+              <a:t>1/16/2023</a:t>
             </a:fld>
             <a:endParaRPr lang="en-US" dirty="0"/>
           </a:p>
@@ -1328,7 +1592,7 @@
           <a:p>
             <a:fld id="{090B78EA-28CE-41D8-9043-90E391E5F567}" type="datetimeFigureOut">
               <a:rPr lang="en-US" noProof="0" smtClean="0"/>
-              <a:t>1/5/2023</a:t>
+              <a:t>1/16/2023</a:t>
             </a:fld>
             <a:endParaRPr lang="en-US" noProof="0" dirty="0"/>
           </a:p>
@@ -26497,6 +26761,547 @@
           <p:cNvPr id="4" name="Title 3">
             <a:extLst>
               <a:ext uri="{FF2B5EF4-FFF2-40B4-BE49-F238E27FC236}">
+                <a16:creationId xmlns:a16="http://schemas.microsoft.com/office/drawing/2014/main" id="{BD179B88-D43C-4A31-9A52-3498E9430782}"/>
+              </a:ext>
+            </a:extLst>
+          </p:cNvPr>
+          <p:cNvSpPr>
+            <a:spLocks noGrp="1"/>
+          </p:cNvSpPr>
+          <p:nvPr>
+            <p:ph type="title"/>
+          </p:nvPr>
+        </p:nvSpPr>
+        <p:spPr/>
+        <p:txBody>
+          <a:bodyPr>
+            <a:normAutofit fontScale="90000"/>
+          </a:bodyPr>
+          <a:lstStyle/>
+          <a:p>
+            <a:r>
+              <a:rPr lang="en-US" i="1" dirty="0"/>
+              <a:t>Top-k </a:t>
+            </a:r>
+            <a:r>
+              <a:rPr lang="en-US" dirty="0"/>
+              <a:t>skyline domination query</a:t>
+            </a:r>
+            <a:endParaRPr lang="en-US" i="1" dirty="0"/>
+          </a:p>
+        </p:txBody>
+      </p:sp>
+      <p:sp>
+        <p:nvSpPr>
+          <p:cNvPr id="2" name="Slide Number Placeholder 1">
+            <a:extLst>
+              <a:ext uri="{FF2B5EF4-FFF2-40B4-BE49-F238E27FC236}">
+                <a16:creationId xmlns:a16="http://schemas.microsoft.com/office/drawing/2014/main" id="{8B065C75-272B-4BB5-BA23-D80E8654D621}"/>
+              </a:ext>
+            </a:extLst>
+          </p:cNvPr>
+          <p:cNvSpPr>
+            <a:spLocks noGrp="1"/>
+          </p:cNvSpPr>
+          <p:nvPr>
+            <p:ph type="sldNum" sz="quarter" idx="12"/>
+          </p:nvPr>
+        </p:nvSpPr>
+        <p:spPr/>
+        <p:txBody>
+          <a:bodyPr/>
+          <a:lstStyle/>
+          <a:p>
+            <a:fld id="{C263D6C4-4840-40CC-AC84-17E24B3B7BDE}" type="slidenum">
+              <a:rPr lang="en-US" smtClean="0"/>
+              <a:pPr/>
+              <a:t>10</a:t>
+            </a:fld>
+            <a:endParaRPr lang="en-US" dirty="0"/>
+          </a:p>
+        </p:txBody>
+      </p:sp>
+    </p:spTree>
+    <p:extLst>
+      <p:ext uri="{BB962C8B-B14F-4D97-AF65-F5344CB8AC3E}">
+        <p14:creationId xmlns:p14="http://schemas.microsoft.com/office/powerpoint/2010/main" val="660312521"/>
+      </p:ext>
+    </p:extLst>
+  </p:cSld>
+  <p:clrMapOvr>
+    <a:masterClrMapping/>
+  </p:clrMapOvr>
+  <mc:AlternateContent xmlns:mc="http://schemas.openxmlformats.org/markup-compatibility/2006" xmlns:p14="http://schemas.microsoft.com/office/powerpoint/2010/main">
+    <mc:Choice Requires="p14">
+      <p:transition spd="med" p14:dur="700">
+        <p:fade/>
+      </p:transition>
+    </mc:Choice>
+    <mc:Fallback xmlns="">
+      <p:transition spd="med">
+        <p:fade/>
+      </p:transition>
+    </mc:Fallback>
+  </mc:AlternateContent>
+</p:sld>
+</file>
+
+<file path=ppt/slides/slide11.xml><?xml version="1.0" encoding="utf-8"?>
+<p:sld xmlns:a="http://schemas.openxmlformats.org/drawingml/2006/main" xmlns:r="http://schemas.openxmlformats.org/officeDocument/2006/relationships" xmlns:p="http://schemas.openxmlformats.org/presentationml/2006/main">
+  <p:cSld>
+    <p:spTree>
+      <p:nvGrpSpPr>
+        <p:cNvPr id="1" name=""/>
+        <p:cNvGrpSpPr/>
+        <p:nvPr/>
+      </p:nvGrpSpPr>
+      <p:grpSpPr>
+        <a:xfrm>
+          <a:off x="0" y="0"/>
+          <a:ext cx="0" cy="0"/>
+          <a:chOff x="0" y="0"/>
+          <a:chExt cx="0" cy="0"/>
+        </a:xfrm>
+      </p:grpSpPr>
+      <p:sp>
+        <p:nvSpPr>
+          <p:cNvPr id="4" name="Title 3">
+            <a:extLst>
+              <a:ext uri="{FF2B5EF4-FFF2-40B4-BE49-F238E27FC236}">
+                <a16:creationId xmlns:a16="http://schemas.microsoft.com/office/drawing/2014/main" id="{315E3981-F0D7-482C-A8E0-6A57700BECA7}"/>
+              </a:ext>
+            </a:extLst>
+          </p:cNvPr>
+          <p:cNvSpPr>
+            <a:spLocks noGrp="1"/>
+          </p:cNvSpPr>
+          <p:nvPr>
+            <p:ph type="title"/>
+          </p:nvPr>
+        </p:nvSpPr>
+        <p:spPr/>
+        <p:txBody>
+          <a:bodyPr/>
+          <a:lstStyle/>
+          <a:p>
+            <a:r>
+              <a:rPr lang="en-US" dirty="0"/>
+              <a:t>Task 3</a:t>
+            </a:r>
+          </a:p>
+        </p:txBody>
+      </p:sp>
+      <p:sp>
+        <p:nvSpPr>
+          <p:cNvPr id="2" name="Slide Number Placeholder 1">
+            <a:extLst>
+              <a:ext uri="{FF2B5EF4-FFF2-40B4-BE49-F238E27FC236}">
+                <a16:creationId xmlns:a16="http://schemas.microsoft.com/office/drawing/2014/main" id="{520FC4EE-F318-4344-9E3C-B950ADB63865}"/>
+              </a:ext>
+            </a:extLst>
+          </p:cNvPr>
+          <p:cNvSpPr>
+            <a:spLocks noGrp="1"/>
+          </p:cNvSpPr>
+          <p:nvPr>
+            <p:ph type="sldNum" sz="quarter" idx="12"/>
+          </p:nvPr>
+        </p:nvSpPr>
+        <p:spPr/>
+        <p:txBody>
+          <a:bodyPr/>
+          <a:lstStyle/>
+          <a:p>
+            <a:fld id="{C263D6C4-4840-40CC-AC84-17E24B3B7BDE}" type="slidenum">
+              <a:rPr lang="en-US" smtClean="0"/>
+              <a:pPr/>
+              <a:t>11</a:t>
+            </a:fld>
+            <a:endParaRPr lang="en-US" dirty="0"/>
+          </a:p>
+        </p:txBody>
+      </p:sp>
+      <p:sp>
+        <p:nvSpPr>
+          <p:cNvPr id="7" name="Text Placeholder 6">
+            <a:extLst>
+              <a:ext uri="{FF2B5EF4-FFF2-40B4-BE49-F238E27FC236}">
+                <a16:creationId xmlns:a16="http://schemas.microsoft.com/office/drawing/2014/main" id="{B74126B4-1E6C-4FFF-9282-40E18A85A07F}"/>
+              </a:ext>
+            </a:extLst>
+          </p:cNvPr>
+          <p:cNvSpPr>
+            <a:spLocks noGrp="1"/>
+          </p:cNvSpPr>
+          <p:nvPr>
+            <p:ph type="body" sz="quarter" idx="1"/>
+          </p:nvPr>
+        </p:nvSpPr>
+        <p:spPr>
+          <a:xfrm>
+            <a:off x="386526" y="1681163"/>
+            <a:ext cx="11418949" cy="823912"/>
+          </a:xfrm>
+        </p:spPr>
+        <p:txBody>
+          <a:bodyPr>
+            <a:normAutofit/>
+          </a:bodyPr>
+          <a:lstStyle/>
+          <a:p>
+            <a:pPr algn="just"/>
+            <a:r>
+              <a:rPr lang="en-US" b="0" dirty="0"/>
+              <a:t>In Task 3, our work was to find the </a:t>
+            </a:r>
+            <a:r>
+              <a:rPr lang="en-US" i="1" dirty="0"/>
+              <a:t>top-k </a:t>
+            </a:r>
+            <a:r>
+              <a:rPr lang="en-US" dirty="0"/>
+              <a:t>dominating</a:t>
+            </a:r>
+            <a:r>
+              <a:rPr lang="en-US" b="0" dirty="0"/>
+              <a:t> points that belong to the </a:t>
+            </a:r>
+            <a:r>
+              <a:rPr lang="en-US" i="1" dirty="0"/>
+              <a:t>skyline</a:t>
+            </a:r>
+            <a:r>
+              <a:rPr lang="en-US" b="0" dirty="0"/>
+              <a:t> set</a:t>
+            </a:r>
+          </a:p>
+        </p:txBody>
+      </p:sp>
+      <p:sp>
+        <p:nvSpPr>
+          <p:cNvPr id="8" name="Text Placeholder 7">
+            <a:extLst>
+              <a:ext uri="{FF2B5EF4-FFF2-40B4-BE49-F238E27FC236}">
+                <a16:creationId xmlns:a16="http://schemas.microsoft.com/office/drawing/2014/main" id="{47DC4E62-1A34-4F98-A451-214F1808519C}"/>
+              </a:ext>
+            </a:extLst>
+          </p:cNvPr>
+          <p:cNvSpPr>
+            <a:spLocks noGrp="1"/>
+          </p:cNvSpPr>
+          <p:nvPr>
+            <p:ph type="body" sz="quarter" idx="2"/>
+          </p:nvPr>
+        </p:nvSpPr>
+        <p:spPr>
+          <a:xfrm>
+            <a:off x="6892801" y="2567781"/>
+            <a:ext cx="5157787" cy="3684588"/>
+          </a:xfrm>
+        </p:spPr>
+        <p:txBody>
+          <a:bodyPr/>
+          <a:lstStyle/>
+          <a:p>
+            <a:r>
+              <a:rPr lang="en-US" dirty="0"/>
+              <a:t>Lorem ipsum dolor sit amet, consectetuer adipiscing elit. Maecenas porttitor congue massa. Fusce posuere, magna sed pulvinar ultricies, purus lectus malesuada libero, sit amet commodo magna eros quis urna. Nunc viverra imperdiet enim. Fusce est. Vivamus a tellus.</a:t>
+            </a:r>
+          </a:p>
+          <a:p>
+            <a:r>
+              <a:rPr lang="en-US" dirty="0"/>
+              <a:t>Pellentesque habitant morbi tristique senectus et netus et malesuada fames ac turpis egestas. Proin pharetra nonummy pede. Mauris et orci.</a:t>
+            </a:r>
+          </a:p>
+          <a:p>
+            <a:endParaRPr lang="en-US" dirty="0"/>
+          </a:p>
+          <a:p>
+            <a:endParaRPr lang="en-US" dirty="0"/>
+          </a:p>
+        </p:txBody>
+      </p:sp>
+    </p:spTree>
+    <p:extLst>
+      <p:ext uri="{BB962C8B-B14F-4D97-AF65-F5344CB8AC3E}">
+        <p14:creationId xmlns:p14="http://schemas.microsoft.com/office/powerpoint/2010/main" val="905488132"/>
+      </p:ext>
+    </p:extLst>
+  </p:cSld>
+  <p:clrMapOvr>
+    <a:masterClrMapping/>
+  </p:clrMapOvr>
+  <mc:AlternateContent xmlns:mc="http://schemas.openxmlformats.org/markup-compatibility/2006" xmlns:p14="http://schemas.microsoft.com/office/powerpoint/2010/main">
+    <mc:Choice Requires="p14">
+      <p:transition spd="med" p14:dur="700">
+        <p:fade/>
+      </p:transition>
+    </mc:Choice>
+    <mc:Fallback xmlns="">
+      <p:transition spd="med">
+        <p:fade/>
+      </p:transition>
+    </mc:Fallback>
+  </mc:AlternateContent>
+</p:sld>
+</file>
+
+<file path=ppt/slides/slide12.xml><?xml version="1.0" encoding="utf-8"?>
+<p:sld xmlns:a="http://schemas.openxmlformats.org/drawingml/2006/main" xmlns:r="http://schemas.openxmlformats.org/officeDocument/2006/relationships" xmlns:p="http://schemas.openxmlformats.org/presentationml/2006/main">
+  <p:cSld>
+    <p:spTree>
+      <p:nvGrpSpPr>
+        <p:cNvPr id="1" name=""/>
+        <p:cNvGrpSpPr/>
+        <p:nvPr/>
+      </p:nvGrpSpPr>
+      <p:grpSpPr>
+        <a:xfrm>
+          <a:off x="0" y="0"/>
+          <a:ext cx="0" cy="0"/>
+          <a:chOff x="0" y="0"/>
+          <a:chExt cx="0" cy="0"/>
+        </a:xfrm>
+      </p:grpSpPr>
+      <p:sp>
+        <p:nvSpPr>
+          <p:cNvPr id="4" name="Title 3">
+            <a:extLst>
+              <a:ext uri="{FF2B5EF4-FFF2-40B4-BE49-F238E27FC236}">
+                <a16:creationId xmlns:a16="http://schemas.microsoft.com/office/drawing/2014/main" id="{315E3981-F0D7-482C-A8E0-6A57700BECA7}"/>
+              </a:ext>
+            </a:extLst>
+          </p:cNvPr>
+          <p:cNvSpPr>
+            <a:spLocks noGrp="1"/>
+          </p:cNvSpPr>
+          <p:nvPr>
+            <p:ph type="title"/>
+          </p:nvPr>
+        </p:nvSpPr>
+        <p:spPr/>
+        <p:txBody>
+          <a:bodyPr/>
+          <a:lstStyle/>
+          <a:p>
+            <a:r>
+              <a:rPr lang="en-US" dirty="0"/>
+              <a:t>Task 3</a:t>
+            </a:r>
+          </a:p>
+        </p:txBody>
+      </p:sp>
+      <p:sp>
+        <p:nvSpPr>
+          <p:cNvPr id="2" name="Slide Number Placeholder 1">
+            <a:extLst>
+              <a:ext uri="{FF2B5EF4-FFF2-40B4-BE49-F238E27FC236}">
+                <a16:creationId xmlns:a16="http://schemas.microsoft.com/office/drawing/2014/main" id="{520FC4EE-F318-4344-9E3C-B950ADB63865}"/>
+              </a:ext>
+            </a:extLst>
+          </p:cNvPr>
+          <p:cNvSpPr>
+            <a:spLocks noGrp="1"/>
+          </p:cNvSpPr>
+          <p:nvPr>
+            <p:ph type="sldNum" sz="quarter" idx="12"/>
+          </p:nvPr>
+        </p:nvSpPr>
+        <p:spPr/>
+        <p:txBody>
+          <a:bodyPr/>
+          <a:lstStyle/>
+          <a:p>
+            <a:fld id="{C263D6C4-4840-40CC-AC84-17E24B3B7BDE}" type="slidenum">
+              <a:rPr lang="en-US" smtClean="0"/>
+              <a:pPr/>
+              <a:t>12</a:t>
+            </a:fld>
+            <a:endParaRPr lang="en-US" dirty="0"/>
+          </a:p>
+        </p:txBody>
+      </p:sp>
+      <p:sp>
+        <p:nvSpPr>
+          <p:cNvPr id="7" name="Text Placeholder 6">
+            <a:extLst>
+              <a:ext uri="{FF2B5EF4-FFF2-40B4-BE49-F238E27FC236}">
+                <a16:creationId xmlns:a16="http://schemas.microsoft.com/office/drawing/2014/main" id="{B74126B4-1E6C-4FFF-9282-40E18A85A07F}"/>
+              </a:ext>
+            </a:extLst>
+          </p:cNvPr>
+          <p:cNvSpPr>
+            <a:spLocks noGrp="1"/>
+          </p:cNvSpPr>
+          <p:nvPr>
+            <p:ph type="body" sz="quarter" idx="1"/>
+          </p:nvPr>
+        </p:nvSpPr>
+        <p:spPr/>
+        <p:txBody>
+          <a:bodyPr/>
+          <a:lstStyle/>
+          <a:p>
+            <a:r>
+              <a:rPr lang="en-US" dirty="0"/>
+              <a:t>Lorem ipsum dolor sit amet</a:t>
+            </a:r>
+          </a:p>
+        </p:txBody>
+      </p:sp>
+      <p:sp>
+        <p:nvSpPr>
+          <p:cNvPr id="5" name="Text Placeholder 4">
+            <a:extLst>
+              <a:ext uri="{FF2B5EF4-FFF2-40B4-BE49-F238E27FC236}">
+                <a16:creationId xmlns:a16="http://schemas.microsoft.com/office/drawing/2014/main" id="{E0C87788-476B-4620-8002-A5C1177AD6C1}"/>
+              </a:ext>
+            </a:extLst>
+          </p:cNvPr>
+          <p:cNvSpPr>
+            <a:spLocks noGrp="1"/>
+          </p:cNvSpPr>
+          <p:nvPr>
+            <p:ph type="body" sz="quarter" idx="3"/>
+          </p:nvPr>
+        </p:nvSpPr>
+        <p:spPr/>
+        <p:txBody>
+          <a:bodyPr/>
+          <a:lstStyle/>
+          <a:p>
+            <a:r>
+              <a:rPr lang="en-US" dirty="0"/>
+              <a:t>Lorem ipsum dolor sit amet</a:t>
+            </a:r>
+          </a:p>
+        </p:txBody>
+      </p:sp>
+      <p:sp>
+        <p:nvSpPr>
+          <p:cNvPr id="8" name="Text Placeholder 7">
+            <a:extLst>
+              <a:ext uri="{FF2B5EF4-FFF2-40B4-BE49-F238E27FC236}">
+                <a16:creationId xmlns:a16="http://schemas.microsoft.com/office/drawing/2014/main" id="{47DC4E62-1A34-4F98-A451-214F1808519C}"/>
+              </a:ext>
+            </a:extLst>
+          </p:cNvPr>
+          <p:cNvSpPr>
+            <a:spLocks noGrp="1"/>
+          </p:cNvSpPr>
+          <p:nvPr>
+            <p:ph type="body" sz="quarter" idx="2"/>
+          </p:nvPr>
+        </p:nvSpPr>
+        <p:spPr/>
+        <p:txBody>
+          <a:bodyPr/>
+          <a:lstStyle/>
+          <a:p>
+            <a:r>
+              <a:rPr lang="en-US" dirty="0"/>
+              <a:t>Lorem ipsum dolor sit amet, consectetuer adipiscing elit. Maecenas porttitor congue massa. Fusce posuere, magna sed pulvinar ultricies, purus lectus malesuada libero, sit amet commodo magna eros quis urna. Nunc viverra imperdiet enim. Fusce est. Vivamus a tellus.</a:t>
+            </a:r>
+          </a:p>
+          <a:p>
+            <a:r>
+              <a:rPr lang="en-US" dirty="0"/>
+              <a:t>Pellentesque habitant morbi tristique senectus et netus et malesuada fames ac turpis egestas. Proin pharetra nonummy pede. Mauris et orci.</a:t>
+            </a:r>
+          </a:p>
+          <a:p>
+            <a:endParaRPr lang="en-US" dirty="0"/>
+          </a:p>
+          <a:p>
+            <a:endParaRPr lang="en-US" dirty="0"/>
+          </a:p>
+        </p:txBody>
+      </p:sp>
+      <p:sp>
+        <p:nvSpPr>
+          <p:cNvPr id="6" name="Text Placeholder 5">
+            <a:extLst>
+              <a:ext uri="{FF2B5EF4-FFF2-40B4-BE49-F238E27FC236}">
+                <a16:creationId xmlns:a16="http://schemas.microsoft.com/office/drawing/2014/main" id="{000A9570-5EF6-4AFB-9FCA-7C8998E3FEB1}"/>
+              </a:ext>
+            </a:extLst>
+          </p:cNvPr>
+          <p:cNvSpPr>
+            <a:spLocks noGrp="1"/>
+          </p:cNvSpPr>
+          <p:nvPr>
+            <p:ph type="body" sz="quarter" idx="4"/>
+          </p:nvPr>
+        </p:nvSpPr>
+        <p:spPr/>
+        <p:txBody>
+          <a:bodyPr/>
+          <a:lstStyle/>
+          <a:p>
+            <a:r>
+              <a:rPr lang="en-US" dirty="0"/>
+              <a:t>Lorem ipsum dolor sit amet, consectetuer adipiscing elit. Maecenas porttitor congue massa. Fusce posuere, magna sed pulvinar ultricies, purus lectus malesuada libero, sit amet commodo magna eros quis urna. Nunc viverra imperdiet enim. Fusce est. Vivamus a tellus.</a:t>
+            </a:r>
+          </a:p>
+          <a:p>
+            <a:r>
+              <a:rPr lang="en-US" dirty="0"/>
+              <a:t>Pellentesque habitant morbi tristique senectus et netus et malesuada fames ac turpis egestas. Proin pharetra nonummy pede. Mauris et orci.</a:t>
+            </a:r>
+          </a:p>
+          <a:p>
+            <a:endParaRPr lang="en-US" dirty="0"/>
+          </a:p>
+        </p:txBody>
+      </p:sp>
+    </p:spTree>
+    <p:extLst>
+      <p:ext uri="{BB962C8B-B14F-4D97-AF65-F5344CB8AC3E}">
+        <p14:creationId xmlns:p14="http://schemas.microsoft.com/office/powerpoint/2010/main" val="2229238531"/>
+      </p:ext>
+    </p:extLst>
+  </p:cSld>
+  <p:clrMapOvr>
+    <a:masterClrMapping/>
+  </p:clrMapOvr>
+  <mc:AlternateContent xmlns:mc="http://schemas.openxmlformats.org/markup-compatibility/2006" xmlns:p14="http://schemas.microsoft.com/office/powerpoint/2010/main">
+    <mc:Choice Requires="p14">
+      <p:transition spd="med" p14:dur="700">
+        <p:fade/>
+      </p:transition>
+    </mc:Choice>
+    <mc:Fallback xmlns="">
+      <p:transition spd="med">
+        <p:fade/>
+      </p:transition>
+    </mc:Fallback>
+  </mc:AlternateContent>
+</p:sld>
+</file>
+
+<file path=ppt/slides/slide13.xml><?xml version="1.0" encoding="utf-8"?>
+<p:sld xmlns:a="http://schemas.openxmlformats.org/drawingml/2006/main" xmlns:r="http://schemas.openxmlformats.org/officeDocument/2006/relationships" xmlns:p="http://schemas.openxmlformats.org/presentationml/2006/main">
+  <p:cSld>
+    <p:spTree>
+      <p:nvGrpSpPr>
+        <p:cNvPr id="1" name=""/>
+        <p:cNvGrpSpPr/>
+        <p:nvPr/>
+      </p:nvGrpSpPr>
+      <p:grpSpPr>
+        <a:xfrm>
+          <a:off x="0" y="0"/>
+          <a:ext cx="0" cy="0"/>
+          <a:chOff x="0" y="0"/>
+          <a:chExt cx="0" cy="0"/>
+        </a:xfrm>
+      </p:grpSpPr>
+      <p:sp>
+        <p:nvSpPr>
+          <p:cNvPr id="4" name="Title 3">
+            <a:extLst>
+              <a:ext uri="{FF2B5EF4-FFF2-40B4-BE49-F238E27FC236}">
                 <a16:creationId xmlns:a16="http://schemas.microsoft.com/office/drawing/2014/main" id="{315E3981-F0D7-482C-A8E0-6A57700BECA7}"/>
               </a:ext>
             </a:extLst>
@@ -26859,7 +27664,7 @@
             <a:fld id="{C263D6C4-4840-40CC-AC84-17E24B3B7BDE}" type="slidenum">
               <a:rPr lang="en-US" smtClean="0"/>
               <a:pPr/>
-              <a:t>10</a:t>
+              <a:t>13</a:t>
             </a:fld>
             <a:endParaRPr lang="en-US" dirty="0"/>
           </a:p>
@@ -26890,7 +27695,7 @@
 </p:sld>
 </file>
 
-<file path=ppt/slides/slide11.xml><?xml version="1.0" encoding="utf-8"?>
+<file path=ppt/slides/slide14.xml><?xml version="1.0" encoding="utf-8"?>
 <p:sld xmlns:a="http://schemas.openxmlformats.org/drawingml/2006/main" xmlns:r="http://schemas.openxmlformats.org/officeDocument/2006/relationships" xmlns:p="http://schemas.openxmlformats.org/presentationml/2006/main">
   <p:cSld>
     <p:spTree>
@@ -27074,7 +27879,7 @@
             <a:fld id="{C263D6C4-4840-40CC-AC84-17E24B3B7BDE}" type="slidenum">
               <a:rPr lang="en-US" smtClean="0"/>
               <a:pPr/>
-              <a:t>11</a:t>
+              <a:t>14</a:t>
             </a:fld>
             <a:endParaRPr lang="en-US" dirty="0"/>
           </a:p>
@@ -27105,7 +27910,7 @@
 </p:sld>
 </file>
 
-<file path=ppt/slides/slide12.xml><?xml version="1.0" encoding="utf-8"?>
+<file path=ppt/slides/slide15.xml><?xml version="1.0" encoding="utf-8"?>
 <p:sld xmlns:a="http://schemas.openxmlformats.org/drawingml/2006/main" xmlns:r="http://schemas.openxmlformats.org/officeDocument/2006/relationships" xmlns:p="http://schemas.openxmlformats.org/presentationml/2006/main">
   <p:cSld>
     <p:spTree>
@@ -27242,7 +28047,7 @@
             <a:fld id="{C263D6C4-4840-40CC-AC84-17E24B3B7BDE}" type="slidenum">
               <a:rPr lang="en-US" smtClean="0"/>
               <a:pPr/>
-              <a:t>12</a:t>
+              <a:t>15</a:t>
             </a:fld>
             <a:endParaRPr lang="en-US" dirty="0"/>
           </a:p>
@@ -27273,7 +28078,7 @@
 </p:sld>
 </file>
 
-<file path=ppt/slides/slide13.xml><?xml version="1.0" encoding="utf-8"?>
+<file path=ppt/slides/slide16.xml><?xml version="1.0" encoding="utf-8"?>
 <p:sld xmlns:a="http://schemas.openxmlformats.org/drawingml/2006/main" xmlns:r="http://schemas.openxmlformats.org/officeDocument/2006/relationships" xmlns:p="http://schemas.openxmlformats.org/presentationml/2006/main">
   <p:cSld>
     <p:spTree>
@@ -29163,7 +29968,7 @@
             <a:fld id="{C263D6C4-4840-40CC-AC84-17E24B3B7BDE}" type="slidenum">
               <a:rPr lang="en-US" smtClean="0"/>
               <a:pPr/>
-              <a:t>13</a:t>
+              <a:t>16</a:t>
             </a:fld>
             <a:endParaRPr lang="en-US" dirty="0"/>
           </a:p>
@@ -29194,7 +29999,7 @@
 </p:sld>
 </file>
 
-<file path=ppt/slides/slide14.xml><?xml version="1.0" encoding="utf-8"?>
+<file path=ppt/slides/slide17.xml><?xml version="1.0" encoding="utf-8"?>
 <p:sld xmlns:a="http://schemas.openxmlformats.org/drawingml/2006/main" xmlns:r="http://schemas.openxmlformats.org/officeDocument/2006/relationships" xmlns:p="http://schemas.openxmlformats.org/presentationml/2006/main">
   <p:cSld>
     <p:spTree>
@@ -29252,7 +30057,7 @@
           <p:nvPr>
             <p:extLst>
               <p:ext uri="{D42A27DB-BD31-4B8C-83A1-F6EECF244321}">
-                <p14:modId xmlns:p14="http://schemas.microsoft.com/office/powerpoint/2010/main" val="654825679"/>
+                <p14:modId xmlns:p14="http://schemas.microsoft.com/office/powerpoint/2010/main" val="2366121754"/>
               </p:ext>
             </p:extLst>
           </p:nvPr>
@@ -29291,7 +30096,7 @@
             <a:fld id="{C263D6C4-4840-40CC-AC84-17E24B3B7BDE}" type="slidenum">
               <a:rPr lang="en-US" smtClean="0"/>
               <a:pPr/>
-              <a:t>14</a:t>
+              <a:t>17</a:t>
             </a:fld>
             <a:endParaRPr lang="en-US" dirty="0"/>
           </a:p>
@@ -29322,7 +30127,7 @@
 </p:sld>
 </file>
 
-<file path=ppt/slides/slide15.xml><?xml version="1.0" encoding="utf-8"?>
+<file path=ppt/slides/slide18.xml><?xml version="1.0" encoding="utf-8"?>
 <p:sld xmlns:a="http://schemas.openxmlformats.org/drawingml/2006/main" xmlns:r="http://schemas.openxmlformats.org/officeDocument/2006/relationships" xmlns:p="http://schemas.openxmlformats.org/presentationml/2006/main">
   <p:cSld>
     <p:spTree>
@@ -29403,6 +30208,177 @@
       </p:grpSpPr>
       <p:sp>
         <p:nvSpPr>
+          <p:cNvPr id="7" name="Title 6">
+            <a:extLst>
+              <a:ext uri="{FF2B5EF4-FFF2-40B4-BE49-F238E27FC236}">
+                <a16:creationId xmlns:a16="http://schemas.microsoft.com/office/drawing/2014/main" id="{7875C19A-1AAE-476A-A316-A2CF92D763D3}"/>
+              </a:ext>
+            </a:extLst>
+          </p:cNvPr>
+          <p:cNvSpPr>
+            <a:spLocks noGrp="1"/>
+          </p:cNvSpPr>
+          <p:nvPr>
+            <p:ph type="title"/>
+          </p:nvPr>
+        </p:nvSpPr>
+        <p:spPr>
+          <a:xfrm>
+            <a:off x="444500" y="542925"/>
+            <a:ext cx="11214100" cy="590931"/>
+          </a:xfrm>
+        </p:spPr>
+        <p:txBody>
+          <a:bodyPr/>
+          <a:lstStyle/>
+          <a:p>
+            <a:r>
+              <a:rPr lang="en-US" sz="3600" dirty="0"/>
+              <a:t>Project Analysis</a:t>
+            </a:r>
+          </a:p>
+        </p:txBody>
+      </p:sp>
+      <p:sp>
+        <p:nvSpPr>
+          <p:cNvPr id="10" name="Text Placeholder 9">
+            <a:extLst>
+              <a:ext uri="{FF2B5EF4-FFF2-40B4-BE49-F238E27FC236}">
+                <a16:creationId xmlns:a16="http://schemas.microsoft.com/office/drawing/2014/main" id="{EF2BC084-E6DB-4DE7-B309-042A85EBA700}"/>
+              </a:ext>
+            </a:extLst>
+          </p:cNvPr>
+          <p:cNvSpPr>
+            <a:spLocks noGrp="1"/>
+          </p:cNvSpPr>
+          <p:nvPr>
+            <p:ph type="body" sz="quarter" idx="13"/>
+          </p:nvPr>
+        </p:nvSpPr>
+        <p:spPr>
+          <a:xfrm>
+            <a:off x="444500" y="1833203"/>
+            <a:ext cx="6718300" cy="4093243"/>
+          </a:xfrm>
+        </p:spPr>
+        <p:txBody>
+          <a:bodyPr/>
+          <a:lstStyle/>
+          <a:p>
+            <a:r>
+              <a:rPr lang="en-US" sz="2400" dirty="0"/>
+              <a:t>Skyline query</a:t>
+            </a:r>
+          </a:p>
+          <a:p>
+            <a:r>
+              <a:rPr lang="en-US" sz="2400" i="1" dirty="0"/>
+              <a:t>Top-k </a:t>
+            </a:r>
+            <a:r>
+              <a:rPr lang="en-US" sz="2400" dirty="0"/>
+              <a:t>domination query</a:t>
+            </a:r>
+            <a:endParaRPr lang="en-US" sz="2400" i="1" dirty="0"/>
+          </a:p>
+          <a:p>
+            <a:r>
+              <a:rPr lang="en-US" sz="2400" i="1" dirty="0"/>
+              <a:t>Top-k </a:t>
+            </a:r>
+            <a:r>
+              <a:rPr lang="en-US" sz="2400" dirty="0"/>
+              <a:t>skyline</a:t>
+            </a:r>
+            <a:r>
+              <a:rPr lang="en-US" sz="2400" i="1" dirty="0"/>
+              <a:t> </a:t>
+            </a:r>
+            <a:r>
+              <a:rPr lang="en-US" sz="2400" dirty="0"/>
+              <a:t>domination query</a:t>
+            </a:r>
+            <a:endParaRPr lang="en-US" sz="2400" i="1" dirty="0"/>
+          </a:p>
+          <a:p>
+            <a:endParaRPr lang="en-US" dirty="0"/>
+          </a:p>
+        </p:txBody>
+      </p:sp>
+      <p:sp>
+        <p:nvSpPr>
+          <p:cNvPr id="2" name="Slide Number Placeholder 1">
+            <a:extLst>
+              <a:ext uri="{FF2B5EF4-FFF2-40B4-BE49-F238E27FC236}">
+                <a16:creationId xmlns:a16="http://schemas.microsoft.com/office/drawing/2014/main" id="{BE9800F6-D571-48C4-8466-12AA1ADB6599}"/>
+              </a:ext>
+            </a:extLst>
+          </p:cNvPr>
+          <p:cNvSpPr>
+            <a:spLocks noGrp="1"/>
+          </p:cNvSpPr>
+          <p:nvPr>
+            <p:ph type="sldNum" sz="quarter" idx="12"/>
+          </p:nvPr>
+        </p:nvSpPr>
+        <p:spPr/>
+        <p:txBody>
+          <a:bodyPr/>
+          <a:lstStyle/>
+          <a:p>
+            <a:fld id="{C263D6C4-4840-40CC-AC84-17E24B3B7BDE}" type="slidenum">
+              <a:rPr lang="en-US" smtClean="0"/>
+              <a:pPr/>
+              <a:t>2</a:t>
+            </a:fld>
+            <a:endParaRPr lang="en-US" dirty="0"/>
+          </a:p>
+        </p:txBody>
+      </p:sp>
+    </p:spTree>
+    <p:extLst>
+      <p:ext uri="{BB962C8B-B14F-4D97-AF65-F5344CB8AC3E}">
+        <p14:creationId xmlns:p14="http://schemas.microsoft.com/office/powerpoint/2010/main" val="3733486012"/>
+      </p:ext>
+    </p:extLst>
+  </p:cSld>
+  <p:clrMapOvr>
+    <a:masterClrMapping/>
+  </p:clrMapOvr>
+  <mc:AlternateContent xmlns:mc="http://schemas.openxmlformats.org/markup-compatibility/2006" xmlns:p14="http://schemas.microsoft.com/office/powerpoint/2010/main">
+    <mc:Choice Requires="p14">
+      <p:transition spd="med" p14:dur="700">
+        <p:fade/>
+      </p:transition>
+    </mc:Choice>
+    <mc:Fallback xmlns="">
+      <p:transition spd="med">
+        <p:fade/>
+      </p:transition>
+    </mc:Fallback>
+  </mc:AlternateContent>
+</p:sld>
+</file>
+
+<file path=ppt/slides/slide3.xml><?xml version="1.0" encoding="utf-8"?>
+<p:sld xmlns:a="http://schemas.openxmlformats.org/drawingml/2006/main" xmlns:r="http://schemas.openxmlformats.org/officeDocument/2006/relationships" xmlns:p="http://schemas.openxmlformats.org/presentationml/2006/main">
+  <p:cSld>
+    <p:spTree>
+      <p:nvGrpSpPr>
+        <p:cNvPr id="1" name=""/>
+        <p:cNvGrpSpPr/>
+        <p:nvPr/>
+      </p:nvGrpSpPr>
+      <p:grpSpPr>
+        <a:xfrm>
+          <a:off x="0" y="0"/>
+          <a:ext cx="0" cy="0"/>
+          <a:chOff x="0" y="0"/>
+          <a:chExt cx="0" cy="0"/>
+        </a:xfrm>
+      </p:grpSpPr>
+      <p:sp>
+        <p:nvSpPr>
           <p:cNvPr id="4" name="Title 3">
             <a:extLst>
               <a:ext uri="{FF2B5EF4-FFF2-40B4-BE49-F238E27FC236}">
@@ -29453,7 +30429,7 @@
             <a:fld id="{C263D6C4-4840-40CC-AC84-17E24B3B7BDE}" type="slidenum">
               <a:rPr lang="en-US" smtClean="0"/>
               <a:pPr/>
-              <a:t>2</a:t>
+              <a:t>3</a:t>
             </a:fld>
             <a:endParaRPr lang="en-US" dirty="0"/>
           </a:p>
@@ -29484,7 +30460,374 @@
 </p:sld>
 </file>
 
-<file path=ppt/slides/slide3.xml><?xml version="1.0" encoding="utf-8"?>
+<file path=ppt/slides/slide4.xml><?xml version="1.0" encoding="utf-8"?>
+<p:sld xmlns:a="http://schemas.openxmlformats.org/drawingml/2006/main" xmlns:r="http://schemas.openxmlformats.org/officeDocument/2006/relationships" xmlns:p="http://schemas.openxmlformats.org/presentationml/2006/main">
+  <p:cSld>
+    <p:spTree>
+      <p:nvGrpSpPr>
+        <p:cNvPr id="1" name=""/>
+        <p:cNvGrpSpPr/>
+        <p:nvPr/>
+      </p:nvGrpSpPr>
+      <p:grpSpPr>
+        <a:xfrm>
+          <a:off x="0" y="0"/>
+          <a:ext cx="0" cy="0"/>
+          <a:chOff x="0" y="0"/>
+          <a:chExt cx="0" cy="0"/>
+        </a:xfrm>
+      </p:grpSpPr>
+      <p:sp>
+        <p:nvSpPr>
+          <p:cNvPr id="4" name="Title 3">
+            <a:extLst>
+              <a:ext uri="{FF2B5EF4-FFF2-40B4-BE49-F238E27FC236}">
+                <a16:creationId xmlns:a16="http://schemas.microsoft.com/office/drawing/2014/main" id="{315E3981-F0D7-482C-A8E0-6A57700BECA7}"/>
+              </a:ext>
+            </a:extLst>
+          </p:cNvPr>
+          <p:cNvSpPr>
+            <a:spLocks noGrp="1"/>
+          </p:cNvSpPr>
+          <p:nvPr>
+            <p:ph type="title"/>
+          </p:nvPr>
+        </p:nvSpPr>
+        <p:spPr/>
+        <p:txBody>
+          <a:bodyPr/>
+          <a:lstStyle/>
+          <a:p>
+            <a:r>
+              <a:rPr lang="en-US" dirty="0"/>
+              <a:t>Task 1</a:t>
+            </a:r>
+          </a:p>
+        </p:txBody>
+      </p:sp>
+      <p:sp>
+        <p:nvSpPr>
+          <p:cNvPr id="2" name="Slide Number Placeholder 1">
+            <a:extLst>
+              <a:ext uri="{FF2B5EF4-FFF2-40B4-BE49-F238E27FC236}">
+                <a16:creationId xmlns:a16="http://schemas.microsoft.com/office/drawing/2014/main" id="{520FC4EE-F318-4344-9E3C-B950ADB63865}"/>
+              </a:ext>
+            </a:extLst>
+          </p:cNvPr>
+          <p:cNvSpPr>
+            <a:spLocks noGrp="1"/>
+          </p:cNvSpPr>
+          <p:nvPr>
+            <p:ph type="sldNum" sz="quarter" idx="12"/>
+          </p:nvPr>
+        </p:nvSpPr>
+        <p:spPr/>
+        <p:txBody>
+          <a:bodyPr/>
+          <a:lstStyle/>
+          <a:p>
+            <a:fld id="{C263D6C4-4840-40CC-AC84-17E24B3B7BDE}" type="slidenum">
+              <a:rPr lang="en-US" smtClean="0"/>
+              <a:pPr/>
+              <a:t>4</a:t>
+            </a:fld>
+            <a:endParaRPr lang="en-US" dirty="0"/>
+          </a:p>
+        </p:txBody>
+      </p:sp>
+      <p:sp>
+        <p:nvSpPr>
+          <p:cNvPr id="7" name="Text Placeholder 6">
+            <a:extLst>
+              <a:ext uri="{FF2B5EF4-FFF2-40B4-BE49-F238E27FC236}">
+                <a16:creationId xmlns:a16="http://schemas.microsoft.com/office/drawing/2014/main" id="{B74126B4-1E6C-4FFF-9282-40E18A85A07F}"/>
+              </a:ext>
+            </a:extLst>
+          </p:cNvPr>
+          <p:cNvSpPr>
+            <a:spLocks noGrp="1"/>
+          </p:cNvSpPr>
+          <p:nvPr>
+            <p:ph type="body" sz="quarter" idx="1"/>
+          </p:nvPr>
+        </p:nvSpPr>
+        <p:spPr>
+          <a:xfrm>
+            <a:off x="386526" y="1681163"/>
+            <a:ext cx="11418949" cy="823912"/>
+          </a:xfrm>
+        </p:spPr>
+        <p:txBody>
+          <a:bodyPr>
+            <a:normAutofit/>
+          </a:bodyPr>
+          <a:lstStyle/>
+          <a:p>
+            <a:pPr algn="just"/>
+            <a:r>
+              <a:rPr lang="en-US" b="0" dirty="0"/>
+              <a:t>The </a:t>
+            </a:r>
+            <a:r>
+              <a:rPr lang="en-US" dirty="0"/>
+              <a:t>skyline</a:t>
+            </a:r>
+            <a:r>
+              <a:rPr lang="en-US" b="0" dirty="0"/>
+              <a:t> is a set of points that are not dominated</a:t>
+            </a:r>
+            <a:r>
+              <a:rPr lang="el-GR" b="0" dirty="0"/>
+              <a:t>*</a:t>
+            </a:r>
+            <a:r>
+              <a:rPr lang="en-US" b="0" dirty="0"/>
+              <a:t> by any other point. Those points are called skyline points.</a:t>
+            </a:r>
+          </a:p>
+        </p:txBody>
+      </p:sp>
+      <p:sp>
+        <p:nvSpPr>
+          <p:cNvPr id="8" name="Text Placeholder 7">
+            <a:extLst>
+              <a:ext uri="{FF2B5EF4-FFF2-40B4-BE49-F238E27FC236}">
+                <a16:creationId xmlns:a16="http://schemas.microsoft.com/office/drawing/2014/main" id="{47DC4E62-1A34-4F98-A451-214F1808519C}"/>
+              </a:ext>
+            </a:extLst>
+          </p:cNvPr>
+          <p:cNvSpPr>
+            <a:spLocks noGrp="1"/>
+          </p:cNvSpPr>
+          <p:nvPr>
+            <p:ph type="body" sz="quarter" idx="2"/>
+          </p:nvPr>
+        </p:nvSpPr>
+        <p:spPr>
+          <a:xfrm>
+            <a:off x="6892801" y="2567781"/>
+            <a:ext cx="5157787" cy="3684588"/>
+          </a:xfrm>
+        </p:spPr>
+        <p:txBody>
+          <a:bodyPr/>
+          <a:lstStyle/>
+          <a:p>
+            <a:r>
+              <a:rPr lang="en-US" dirty="0"/>
+              <a:t>Lorem ipsum dolor sit amet, consectetuer adipiscing elit. Maecenas porttitor congue massa. Fusce posuere, magna sed pulvinar ultricies, purus lectus malesuada libero, sit amet commodo magna eros quis urna. Nunc viverra imperdiet enim. Fusce est. Vivamus a tellus.</a:t>
+            </a:r>
+          </a:p>
+          <a:p>
+            <a:r>
+              <a:rPr lang="en-US" dirty="0"/>
+              <a:t>Pellentesque habitant morbi tristique senectus et netus et malesuada fames ac turpis egestas. Proin pharetra nonummy pede. Mauris et orci.</a:t>
+            </a:r>
+          </a:p>
+          <a:p>
+            <a:endParaRPr lang="en-US" dirty="0"/>
+          </a:p>
+          <a:p>
+            <a:endParaRPr lang="en-US" dirty="0"/>
+          </a:p>
+        </p:txBody>
+      </p:sp>
+      <p:pic>
+        <p:nvPicPr>
+          <p:cNvPr id="15" name="Picture 14" descr="Chart, scatter chart&#10;&#10;Description automatically generated">
+            <a:extLst>
+              <a:ext uri="{FF2B5EF4-FFF2-40B4-BE49-F238E27FC236}">
+                <a16:creationId xmlns:a16="http://schemas.microsoft.com/office/drawing/2014/main" id="{D9589739-B711-59A2-F023-EFC9A664C867}"/>
+              </a:ext>
+            </a:extLst>
+          </p:cNvPr>
+          <p:cNvPicPr>
+            <a:picLocks noChangeAspect="1"/>
+          </p:cNvPicPr>
+          <p:nvPr/>
+        </p:nvPicPr>
+        <p:blipFill>
+          <a:blip r:embed="rId2"/>
+          <a:stretch>
+            <a:fillRect/>
+          </a:stretch>
+        </p:blipFill>
+        <p:spPr>
+          <a:xfrm>
+            <a:off x="465118" y="2446315"/>
+            <a:ext cx="3684588" cy="3684588"/>
+          </a:xfrm>
+          <a:prstGeom prst="rect">
+            <a:avLst/>
+          </a:prstGeom>
+        </p:spPr>
+      </p:pic>
+      <p:sp>
+        <p:nvSpPr>
+          <p:cNvPr id="16" name="TextBox 15">
+            <a:extLst>
+              <a:ext uri="{FF2B5EF4-FFF2-40B4-BE49-F238E27FC236}">
+                <a16:creationId xmlns:a16="http://schemas.microsoft.com/office/drawing/2014/main" id="{6E9C669F-25DE-441B-66D9-A361F6749E30}"/>
+              </a:ext>
+            </a:extLst>
+          </p:cNvPr>
+          <p:cNvSpPr txBox="1"/>
+          <p:nvPr/>
+        </p:nvSpPr>
+        <p:spPr>
+          <a:xfrm>
+            <a:off x="6051550" y="6189663"/>
+            <a:ext cx="5058888" cy="430887"/>
+          </a:xfrm>
+          <a:prstGeom prst="rect">
+            <a:avLst/>
+          </a:prstGeom>
+          <a:noFill/>
+        </p:spPr>
+        <p:txBody>
+          <a:bodyPr wrap="square" rtlCol="0">
+            <a:spAutoFit/>
+          </a:bodyPr>
+          <a:lstStyle/>
+          <a:p>
+            <a:r>
+              <a:rPr lang="el-GR" sz="1100" dirty="0">
+                <a:solidFill>
+                  <a:schemeClr val="bg1"/>
+                </a:solidFill>
+              </a:rPr>
+              <a:t>*</a:t>
+            </a:r>
+            <a:r>
+              <a:rPr lang="en-US" sz="1100" dirty="0">
+                <a:solidFill>
+                  <a:schemeClr val="bg1"/>
+                </a:solidFill>
+              </a:rPr>
+              <a:t>One point </a:t>
+            </a:r>
+            <a:r>
+              <a:rPr lang="en-US" sz="1100" i="1" dirty="0">
+                <a:solidFill>
+                  <a:schemeClr val="bg1"/>
+                </a:solidFill>
+              </a:rPr>
+              <a:t>p </a:t>
+            </a:r>
+            <a:r>
+              <a:rPr lang="en-US" sz="1100" b="1" dirty="0">
+                <a:solidFill>
+                  <a:schemeClr val="bg1"/>
+                </a:solidFill>
+              </a:rPr>
+              <a:t>dominates </a:t>
+            </a:r>
+            <a:r>
+              <a:rPr lang="en-US" sz="1100" dirty="0">
+                <a:solidFill>
+                  <a:schemeClr val="bg1"/>
+                </a:solidFill>
+              </a:rPr>
+              <a:t>another point </a:t>
+            </a:r>
+            <a:r>
+              <a:rPr lang="en-US" sz="1100" i="1" dirty="0">
+                <a:solidFill>
+                  <a:schemeClr val="bg1"/>
+                </a:solidFill>
+              </a:rPr>
+              <a:t>q</a:t>
+            </a:r>
+            <a:r>
+              <a:rPr lang="en-US" sz="1100" dirty="0">
+                <a:solidFill>
+                  <a:schemeClr val="bg1"/>
+                </a:solidFill>
+              </a:rPr>
+              <a:t>, when p is not worse than </a:t>
+            </a:r>
+            <a:r>
+              <a:rPr lang="en-US" sz="1100" i="1" dirty="0">
+                <a:solidFill>
+                  <a:schemeClr val="bg1"/>
+                </a:solidFill>
+              </a:rPr>
+              <a:t>q </a:t>
+            </a:r>
+            <a:r>
+              <a:rPr lang="en-US" sz="1100" dirty="0">
+                <a:solidFill>
+                  <a:schemeClr val="bg1"/>
+                </a:solidFill>
+              </a:rPr>
+              <a:t>in any of the d-dimensions, or </a:t>
+            </a:r>
+            <a:r>
+              <a:rPr lang="en-US" sz="1100" i="1" dirty="0">
+                <a:solidFill>
+                  <a:schemeClr val="bg1"/>
+                </a:solidFill>
+              </a:rPr>
+              <a:t>p </a:t>
+            </a:r>
+            <a:r>
+              <a:rPr lang="en-US" sz="1100" dirty="0">
+                <a:solidFill>
+                  <a:schemeClr val="bg1"/>
+                </a:solidFill>
+              </a:rPr>
+              <a:t>is better than</a:t>
+            </a:r>
+            <a:r>
+              <a:rPr lang="en-US" sz="1100" i="1" dirty="0">
+                <a:solidFill>
+                  <a:schemeClr val="bg1"/>
+                </a:solidFill>
+              </a:rPr>
+              <a:t> q </a:t>
+            </a:r>
+            <a:r>
+              <a:rPr lang="en-US" sz="1100" dirty="0">
+                <a:solidFill>
+                  <a:schemeClr val="bg1"/>
+                </a:solidFill>
+              </a:rPr>
+              <a:t> in at least one of the d-dimensions.</a:t>
+            </a:r>
+            <a:endParaRPr lang="en-150" sz="1100" b="1" dirty="0">
+              <a:solidFill>
+                <a:schemeClr val="bg1"/>
+              </a:solidFill>
+            </a:endParaRPr>
+          </a:p>
+        </p:txBody>
+      </p:sp>
+    </p:spTree>
+    <p:extLst>
+      <p:ext uri="{BB962C8B-B14F-4D97-AF65-F5344CB8AC3E}">
+        <p14:creationId xmlns:p14="http://schemas.microsoft.com/office/powerpoint/2010/main" val="3607270498"/>
+      </p:ext>
+    </p:extLst>
+  </p:cSld>
+  <p:clrMapOvr>
+    <a:masterClrMapping/>
+  </p:clrMapOvr>
+  <mc:AlternateContent xmlns:mc="http://schemas.openxmlformats.org/markup-compatibility/2006" xmlns:p14="http://schemas.microsoft.com/office/powerpoint/2010/main">
+    <mc:Choice Requires="p14">
+      <p:transition spd="med" p14:dur="700">
+        <p:fade/>
+      </p:transition>
+    </mc:Choice>
+    <mc:Fallback xmlns="">
+      <p:transition spd="med">
+        <p:fade/>
+      </p:transition>
+    </mc:Fallback>
+  </mc:AlternateContent>
+</p:sld>
+</file>
+
+<file path=ppt/slides/slide5.xml><?xml version="1.0" encoding="utf-8"?>
 <p:sld xmlns:a="http://schemas.openxmlformats.org/drawingml/2006/main" xmlns:r="http://schemas.openxmlformats.org/officeDocument/2006/relationships" xmlns:p="http://schemas.openxmlformats.org/presentationml/2006/main">
   <p:cSld>
     <p:spTree>
@@ -29525,7 +30868,7 @@
             <a:fld id="{C263D6C4-4840-40CC-AC84-17E24B3B7BDE}" type="slidenum">
               <a:rPr lang="en-US" noProof="0" smtClean="0"/>
               <a:pPr/>
-              <a:t>3</a:t>
+              <a:t>5</a:t>
             </a:fld>
             <a:endParaRPr lang="en-US" noProof="0" dirty="0"/>
           </a:p>
@@ -29544,7 +30887,7 @@
 </p:sld>
 </file>
 
-<file path=ppt/slides/slide4.xml><?xml version="1.0" encoding="utf-8"?>
+<file path=ppt/slides/slide6.xml><?xml version="1.0" encoding="utf-8"?>
 <p:sld xmlns:a="http://schemas.openxmlformats.org/drawingml/2006/main" xmlns:r="http://schemas.openxmlformats.org/officeDocument/2006/relationships" xmlns:p="http://schemas.openxmlformats.org/presentationml/2006/main">
   <p:cSld>
     <p:spTree>
@@ -29620,7 +30963,7 @@
             <a:fld id="{C263D6C4-4840-40CC-AC84-17E24B3B7BDE}" type="slidenum">
               <a:rPr lang="en-US" smtClean="0"/>
               <a:pPr/>
-              <a:t>4</a:t>
+              <a:t>6</a:t>
             </a:fld>
             <a:endParaRPr lang="en-US" dirty="0"/>
           </a:p>
@@ -29630,206 +30973,6 @@
     <p:extLst>
       <p:ext uri="{BB962C8B-B14F-4D97-AF65-F5344CB8AC3E}">
         <p14:creationId xmlns:p14="http://schemas.microsoft.com/office/powerpoint/2010/main" val="709828751"/>
-      </p:ext>
-    </p:extLst>
-  </p:cSld>
-  <p:clrMapOvr>
-    <a:masterClrMapping/>
-  </p:clrMapOvr>
-  <mc:AlternateContent xmlns:mc="http://schemas.openxmlformats.org/markup-compatibility/2006" xmlns:p14="http://schemas.microsoft.com/office/powerpoint/2010/main">
-    <mc:Choice Requires="p14">
-      <p:transition spd="med" p14:dur="700">
-        <p:fade/>
-      </p:transition>
-    </mc:Choice>
-    <mc:Fallback xmlns="">
-      <p:transition spd="med">
-        <p:fade/>
-      </p:transition>
-    </mc:Fallback>
-  </mc:AlternateContent>
-</p:sld>
-</file>
-
-<file path=ppt/slides/slide5.xml><?xml version="1.0" encoding="utf-8"?>
-<p:sld xmlns:a="http://schemas.openxmlformats.org/drawingml/2006/main" xmlns:r="http://schemas.openxmlformats.org/officeDocument/2006/relationships" xmlns:p="http://schemas.openxmlformats.org/presentationml/2006/main">
-  <p:cSld>
-    <p:spTree>
-      <p:nvGrpSpPr>
-        <p:cNvPr id="1" name=""/>
-        <p:cNvGrpSpPr/>
-        <p:nvPr/>
-      </p:nvGrpSpPr>
-      <p:grpSpPr>
-        <a:xfrm>
-          <a:off x="0" y="0"/>
-          <a:ext cx="0" cy="0"/>
-          <a:chOff x="0" y="0"/>
-          <a:chExt cx="0" cy="0"/>
-        </a:xfrm>
-      </p:grpSpPr>
-      <p:sp>
-        <p:nvSpPr>
-          <p:cNvPr id="2" name="Slide Number Placeholder 1">
-            <a:extLst>
-              <a:ext uri="{FF2B5EF4-FFF2-40B4-BE49-F238E27FC236}">
-                <a16:creationId xmlns:a16="http://schemas.microsoft.com/office/drawing/2014/main" id="{ED5D82C7-8910-CEE9-A138-FEAA3F66FEC7}"/>
-              </a:ext>
-            </a:extLst>
-          </p:cNvPr>
-          <p:cNvSpPr>
-            <a:spLocks noGrp="1"/>
-          </p:cNvSpPr>
-          <p:nvPr>
-            <p:ph type="sldNum" sz="quarter" idx="12"/>
-          </p:nvPr>
-        </p:nvSpPr>
-        <p:spPr/>
-        <p:txBody>
-          <a:bodyPr/>
-          <a:lstStyle/>
-          <a:p>
-            <a:fld id="{C263D6C4-4840-40CC-AC84-17E24B3B7BDE}" type="slidenum">
-              <a:rPr lang="en-US" noProof="0" smtClean="0"/>
-              <a:pPr/>
-              <a:t>5</a:t>
-            </a:fld>
-            <a:endParaRPr lang="en-US" noProof="0" dirty="0"/>
-          </a:p>
-        </p:txBody>
-      </p:sp>
-    </p:spTree>
-    <p:extLst>
-      <p:ext uri="{BB962C8B-B14F-4D97-AF65-F5344CB8AC3E}">
-        <p14:creationId xmlns:p14="http://schemas.microsoft.com/office/powerpoint/2010/main" val="1592003877"/>
-      </p:ext>
-    </p:extLst>
-  </p:cSld>
-  <p:clrMapOvr>
-    <a:masterClrMapping/>
-  </p:clrMapOvr>
-</p:sld>
-</file>
-
-<file path=ppt/slides/slide6.xml><?xml version="1.0" encoding="utf-8"?>
-<p:sld xmlns:a="http://schemas.openxmlformats.org/drawingml/2006/main" xmlns:r="http://schemas.openxmlformats.org/officeDocument/2006/relationships" xmlns:p="http://schemas.openxmlformats.org/presentationml/2006/main">
-  <p:cSld>
-    <p:spTree>
-      <p:nvGrpSpPr>
-        <p:cNvPr id="1" name=""/>
-        <p:cNvGrpSpPr/>
-        <p:nvPr/>
-      </p:nvGrpSpPr>
-      <p:grpSpPr>
-        <a:xfrm>
-          <a:off x="0" y="0"/>
-          <a:ext cx="0" cy="0"/>
-          <a:chOff x="0" y="0"/>
-          <a:chExt cx="0" cy="0"/>
-        </a:xfrm>
-      </p:grpSpPr>
-      <p:sp>
-        <p:nvSpPr>
-          <p:cNvPr id="7" name="Title 6">
-            <a:extLst>
-              <a:ext uri="{FF2B5EF4-FFF2-40B4-BE49-F238E27FC236}">
-                <a16:creationId xmlns:a16="http://schemas.microsoft.com/office/drawing/2014/main" id="{7875C19A-1AAE-476A-A316-A2CF92D763D3}"/>
-              </a:ext>
-            </a:extLst>
-          </p:cNvPr>
-          <p:cNvSpPr>
-            <a:spLocks noGrp="1"/>
-          </p:cNvSpPr>
-          <p:nvPr>
-            <p:ph type="title"/>
-          </p:nvPr>
-        </p:nvSpPr>
-        <p:spPr/>
-        <p:txBody>
-          <a:bodyPr/>
-          <a:lstStyle/>
-          <a:p>
-            <a:r>
-              <a:rPr lang="en-US" dirty="0"/>
-              <a:t>Project Analysis</a:t>
-            </a:r>
-          </a:p>
-        </p:txBody>
-      </p:sp>
-      <p:sp>
-        <p:nvSpPr>
-          <p:cNvPr id="10" name="Text Placeholder 9">
-            <a:extLst>
-              <a:ext uri="{FF2B5EF4-FFF2-40B4-BE49-F238E27FC236}">
-                <a16:creationId xmlns:a16="http://schemas.microsoft.com/office/drawing/2014/main" id="{EF2BC084-E6DB-4DE7-B309-042A85EBA700}"/>
-              </a:ext>
-            </a:extLst>
-          </p:cNvPr>
-          <p:cNvSpPr>
-            <a:spLocks noGrp="1"/>
-          </p:cNvSpPr>
-          <p:nvPr>
-            <p:ph type="body" sz="quarter" idx="13"/>
-          </p:nvPr>
-        </p:nvSpPr>
-        <p:spPr/>
-        <p:txBody>
-          <a:bodyPr/>
-          <a:lstStyle/>
-          <a:p>
-            <a:r>
-              <a:rPr lang="en-US" dirty="0"/>
-              <a:t>Task 1:</a:t>
-            </a:r>
-          </a:p>
-          <a:p>
-            <a:r>
-              <a:rPr lang="en-US" dirty="0"/>
-              <a:t>Task 2:</a:t>
-            </a:r>
-          </a:p>
-          <a:p>
-            <a:r>
-              <a:rPr lang="en-US" dirty="0"/>
-              <a:t>Task 3:</a:t>
-            </a:r>
-          </a:p>
-        </p:txBody>
-      </p:sp>
-      <p:sp>
-        <p:nvSpPr>
-          <p:cNvPr id="2" name="Slide Number Placeholder 1">
-            <a:extLst>
-              <a:ext uri="{FF2B5EF4-FFF2-40B4-BE49-F238E27FC236}">
-                <a16:creationId xmlns:a16="http://schemas.microsoft.com/office/drawing/2014/main" id="{BE9800F6-D571-48C4-8466-12AA1ADB6599}"/>
-              </a:ext>
-            </a:extLst>
-          </p:cNvPr>
-          <p:cNvSpPr>
-            <a:spLocks noGrp="1"/>
-          </p:cNvSpPr>
-          <p:nvPr>
-            <p:ph type="sldNum" sz="quarter" idx="12"/>
-          </p:nvPr>
-        </p:nvSpPr>
-        <p:spPr/>
-        <p:txBody>
-          <a:bodyPr/>
-          <a:lstStyle/>
-          <a:p>
-            <a:fld id="{C263D6C4-4840-40CC-AC84-17E24B3B7BDE}" type="slidenum">
-              <a:rPr lang="en-US" smtClean="0"/>
-              <a:pPr/>
-              <a:t>6</a:t>
-            </a:fld>
-            <a:endParaRPr lang="en-US" dirty="0"/>
-          </a:p>
-        </p:txBody>
-      </p:sp>
-    </p:spTree>
-    <p:extLst>
-      <p:ext uri="{BB962C8B-B14F-4D97-AF65-F5344CB8AC3E}">
-        <p14:creationId xmlns:p14="http://schemas.microsoft.com/office/powerpoint/2010/main" val="3733486012"/>
       </p:ext>
     </p:extLst>
   </p:cSld>
@@ -29891,7 +31034,7 @@
           <a:p>
             <a:r>
               <a:rPr lang="en-US" dirty="0"/>
-              <a:t>Task 1</a:t>
+              <a:t>Task 2</a:t>
             </a:r>
           </a:p>
         </p:txBody>
@@ -29942,42 +31085,30 @@
             <p:ph type="body" sz="quarter" idx="1"/>
           </p:nvPr>
         </p:nvSpPr>
-        <p:spPr/>
+        <p:spPr>
+          <a:xfrm>
+            <a:off x="386526" y="1681163"/>
+            <a:ext cx="11418949" cy="823912"/>
+          </a:xfrm>
+        </p:spPr>
         <p:txBody>
-          <a:bodyPr/>
+          <a:bodyPr>
+            <a:normAutofit/>
+          </a:bodyPr>
           <a:lstStyle/>
           <a:p>
+            <a:pPr algn="just"/>
+            <a:r>
+              <a:rPr lang="en-US" i="1" dirty="0"/>
+              <a:t>Top-k</a:t>
+            </a:r>
             <a:r>
               <a:rPr lang="en-US" dirty="0"/>
-              <a:t>Lorem ipsum dolor sit amet</a:t>
+              <a:t> dominating query </a:t>
             </a:r>
-          </a:p>
-        </p:txBody>
-      </p:sp>
-      <p:sp>
-        <p:nvSpPr>
-          <p:cNvPr id="5" name="Text Placeholder 4">
-            <a:extLst>
-              <a:ext uri="{FF2B5EF4-FFF2-40B4-BE49-F238E27FC236}">
-                <a16:creationId xmlns:a16="http://schemas.microsoft.com/office/drawing/2014/main" id="{E0C87788-476B-4620-8002-A5C1177AD6C1}"/>
-              </a:ext>
-            </a:extLst>
-          </p:cNvPr>
-          <p:cNvSpPr>
-            <a:spLocks noGrp="1"/>
-          </p:cNvSpPr>
-          <p:nvPr>
-            <p:ph type="body" sz="quarter" idx="3"/>
-          </p:nvPr>
-        </p:nvSpPr>
-        <p:spPr/>
-        <p:txBody>
-          <a:bodyPr/>
-          <a:lstStyle/>
-          <a:p>
             <a:r>
-              <a:rPr lang="en-US" dirty="0"/>
-              <a:t>Lorem ipsum dolor sit amet</a:t>
+              <a:rPr lang="en-US" b="0" dirty="0"/>
+              <a:t>retrieve the k data objects that dominate the highest number of data objects in a dataset.</a:t>
             </a:r>
           </a:p>
         </p:txBody>
@@ -29998,7 +31129,12 @@
             <p:ph type="body" sz="quarter" idx="2"/>
           </p:nvPr>
         </p:nvSpPr>
-        <p:spPr/>
+        <p:spPr>
+          <a:xfrm>
+            <a:off x="6892801" y="2567781"/>
+            <a:ext cx="5157787" cy="3684588"/>
+          </a:xfrm>
+        </p:spPr>
         <p:txBody>
           <a:bodyPr/>
           <a:lstStyle/>
@@ -30022,47 +31158,70 @@
           </a:p>
         </p:txBody>
       </p:sp>
-      <p:sp>
-        <p:nvSpPr>
-          <p:cNvPr id="6" name="Text Placeholder 5">
+      <p:pic>
+        <p:nvPicPr>
+          <p:cNvPr id="15" name="Picture 14" descr="Chart, scatter chart&#10;&#10;Description automatically generated">
             <a:extLst>
               <a:ext uri="{FF2B5EF4-FFF2-40B4-BE49-F238E27FC236}">
-                <a16:creationId xmlns:a16="http://schemas.microsoft.com/office/drawing/2014/main" id="{000A9570-5EF6-4AFB-9FCA-7C8998E3FEB1}"/>
+                <a16:creationId xmlns:a16="http://schemas.microsoft.com/office/drawing/2014/main" id="{D9589739-B711-59A2-F023-EFC9A664C867}"/>
               </a:ext>
             </a:extLst>
           </p:cNvPr>
-          <p:cNvSpPr>
-            <a:spLocks noGrp="1"/>
-          </p:cNvSpPr>
-          <p:nvPr>
-            <p:ph type="body" sz="quarter" idx="4"/>
-          </p:nvPr>
-        </p:nvSpPr>
-        <p:spPr/>
-        <p:txBody>
-          <a:bodyPr/>
-          <a:lstStyle/>
-          <a:p>
-            <a:r>
-              <a:rPr lang="en-US" dirty="0"/>
-              <a:t>Lorem ipsum dolor sit amet, consectetuer adipiscing elit. Maecenas porttitor congue massa. Fusce posuere, magna sed pulvinar ultricies, purus lectus malesuada libero, sit amet commodo magna eros quis urna. Nunc viverra imperdiet enim. Fusce est. Vivamus a tellus.</a:t>
-            </a:r>
-          </a:p>
-          <a:p>
-            <a:r>
-              <a:rPr lang="en-US" dirty="0"/>
-              <a:t>Pellentesque habitant morbi tristique senectus et netus et malesuada fames ac turpis egestas. Proin pharetra nonummy pede. Mauris et orci.</a:t>
-            </a:r>
-          </a:p>
-          <a:p>
-            <a:endParaRPr lang="en-US" dirty="0"/>
-          </a:p>
-        </p:txBody>
-      </p:sp>
+          <p:cNvPicPr>
+            <a:picLocks noChangeAspect="1"/>
+          </p:cNvPicPr>
+          <p:nvPr/>
+        </p:nvPicPr>
+        <p:blipFill>
+          <a:blip r:embed="rId2"/>
+          <a:stretch>
+            <a:fillRect/>
+          </a:stretch>
+        </p:blipFill>
+        <p:spPr>
+          <a:xfrm>
+            <a:off x="465118" y="2446315"/>
+            <a:ext cx="3684588" cy="3684588"/>
+          </a:xfrm>
+          <a:prstGeom prst="rect">
+            <a:avLst/>
+          </a:prstGeom>
+        </p:spPr>
+      </p:pic>
+      <p:pic>
+        <p:nvPicPr>
+          <p:cNvPr id="5" name="Picture 4" descr="Chart, scatter chart&#10;&#10;Description automatically generated">
+            <a:extLst>
+              <a:ext uri="{FF2B5EF4-FFF2-40B4-BE49-F238E27FC236}">
+                <a16:creationId xmlns:a16="http://schemas.microsoft.com/office/drawing/2014/main" id="{B69555C9-7325-6F14-D9A5-37C0EA259D7A}"/>
+              </a:ext>
+            </a:extLst>
+          </p:cNvPr>
+          <p:cNvPicPr>
+            <a:picLocks noChangeAspect="1"/>
+          </p:cNvPicPr>
+          <p:nvPr/>
+        </p:nvPicPr>
+        <p:blipFill>
+          <a:blip r:embed="rId3"/>
+          <a:stretch>
+            <a:fillRect/>
+          </a:stretch>
+        </p:blipFill>
+        <p:spPr>
+          <a:xfrm>
+            <a:off x="462521" y="2446314"/>
+            <a:ext cx="3684588" cy="3684589"/>
+          </a:xfrm>
+          <a:prstGeom prst="rect">
+            <a:avLst/>
+          </a:prstGeom>
+        </p:spPr>
+      </p:pic>
     </p:spTree>
     <p:extLst>
       <p:ext uri="{BB962C8B-B14F-4D97-AF65-F5344CB8AC3E}">
-        <p14:creationId xmlns:p14="http://schemas.microsoft.com/office/powerpoint/2010/main" val="3607270498"/>
+        <p14:creationId xmlns:p14="http://schemas.microsoft.com/office/powerpoint/2010/main" val="1860213860"/>
       </p:ext>
     </p:extLst>
   </p:cSld>
@@ -30295,7 +31454,7 @@
     </p:spTree>
     <p:extLst>
       <p:ext uri="{BB962C8B-B14F-4D97-AF65-F5344CB8AC3E}">
-        <p14:creationId xmlns:p14="http://schemas.microsoft.com/office/powerpoint/2010/main" val="2229238531"/>
+        <p14:creationId xmlns:p14="http://schemas.microsoft.com/office/powerpoint/2010/main" val="458156879"/>
       </p:ext>
     </p:extLst>
   </p:cSld>
@@ -30336,38 +31495,10 @@
       </p:grpSpPr>
       <p:sp>
         <p:nvSpPr>
-          <p:cNvPr id="4" name="Title 3">
-            <a:extLst>
-              <a:ext uri="{FF2B5EF4-FFF2-40B4-BE49-F238E27FC236}">
-                <a16:creationId xmlns:a16="http://schemas.microsoft.com/office/drawing/2014/main" id="{315E3981-F0D7-482C-A8E0-6A57700BECA7}"/>
-              </a:ext>
-            </a:extLst>
-          </p:cNvPr>
-          <p:cNvSpPr>
-            <a:spLocks noGrp="1"/>
-          </p:cNvSpPr>
-          <p:nvPr>
-            <p:ph type="title"/>
-          </p:nvPr>
-        </p:nvSpPr>
-        <p:spPr/>
-        <p:txBody>
-          <a:bodyPr/>
-          <a:lstStyle/>
-          <a:p>
-            <a:r>
-              <a:rPr lang="en-US" dirty="0"/>
-              <a:t>Task 3</a:t>
-            </a:r>
-          </a:p>
-        </p:txBody>
-      </p:sp>
-      <p:sp>
-        <p:nvSpPr>
           <p:cNvPr id="2" name="Slide Number Placeholder 1">
             <a:extLst>
               <a:ext uri="{FF2B5EF4-FFF2-40B4-BE49-F238E27FC236}">
-                <a16:creationId xmlns:a16="http://schemas.microsoft.com/office/drawing/2014/main" id="{520FC4EE-F318-4344-9E3C-B950ADB63865}"/>
+                <a16:creationId xmlns:a16="http://schemas.microsoft.com/office/drawing/2014/main" id="{ED5D82C7-8910-CEE9-A138-FEAA3F66FEC7}"/>
               </a:ext>
             </a:extLst>
           </p:cNvPr>
@@ -30384,169 +31515,24 @@
           <a:lstStyle/>
           <a:p>
             <a:fld id="{C263D6C4-4840-40CC-AC84-17E24B3B7BDE}" type="slidenum">
-              <a:rPr lang="en-US" smtClean="0"/>
+              <a:rPr lang="en-US" noProof="0" smtClean="0"/>
               <a:pPr/>
               <a:t>9</a:t>
             </a:fld>
-            <a:endParaRPr lang="en-US" dirty="0"/>
-          </a:p>
-        </p:txBody>
-      </p:sp>
-      <p:sp>
-        <p:nvSpPr>
-          <p:cNvPr id="7" name="Text Placeholder 6">
-            <a:extLst>
-              <a:ext uri="{FF2B5EF4-FFF2-40B4-BE49-F238E27FC236}">
-                <a16:creationId xmlns:a16="http://schemas.microsoft.com/office/drawing/2014/main" id="{B74126B4-1E6C-4FFF-9282-40E18A85A07F}"/>
-              </a:ext>
-            </a:extLst>
-          </p:cNvPr>
-          <p:cNvSpPr>
-            <a:spLocks noGrp="1"/>
-          </p:cNvSpPr>
-          <p:nvPr>
-            <p:ph type="body" sz="quarter" idx="1"/>
-          </p:nvPr>
-        </p:nvSpPr>
-        <p:spPr/>
-        <p:txBody>
-          <a:bodyPr/>
-          <a:lstStyle/>
-          <a:p>
-            <a:r>
-              <a:rPr lang="en-US" dirty="0"/>
-              <a:t>Lorem ipsum dolor sit amet</a:t>
-            </a:r>
-          </a:p>
-        </p:txBody>
-      </p:sp>
-      <p:sp>
-        <p:nvSpPr>
-          <p:cNvPr id="5" name="Text Placeholder 4">
-            <a:extLst>
-              <a:ext uri="{FF2B5EF4-FFF2-40B4-BE49-F238E27FC236}">
-                <a16:creationId xmlns:a16="http://schemas.microsoft.com/office/drawing/2014/main" id="{E0C87788-476B-4620-8002-A5C1177AD6C1}"/>
-              </a:ext>
-            </a:extLst>
-          </p:cNvPr>
-          <p:cNvSpPr>
-            <a:spLocks noGrp="1"/>
-          </p:cNvSpPr>
-          <p:nvPr>
-            <p:ph type="body" sz="quarter" idx="3"/>
-          </p:nvPr>
-        </p:nvSpPr>
-        <p:spPr/>
-        <p:txBody>
-          <a:bodyPr/>
-          <a:lstStyle/>
-          <a:p>
-            <a:r>
-              <a:rPr lang="en-US" dirty="0"/>
-              <a:t>Lorem ipsum dolor sit amet</a:t>
-            </a:r>
-          </a:p>
-        </p:txBody>
-      </p:sp>
-      <p:sp>
-        <p:nvSpPr>
-          <p:cNvPr id="8" name="Text Placeholder 7">
-            <a:extLst>
-              <a:ext uri="{FF2B5EF4-FFF2-40B4-BE49-F238E27FC236}">
-                <a16:creationId xmlns:a16="http://schemas.microsoft.com/office/drawing/2014/main" id="{47DC4E62-1A34-4F98-A451-214F1808519C}"/>
-              </a:ext>
-            </a:extLst>
-          </p:cNvPr>
-          <p:cNvSpPr>
-            <a:spLocks noGrp="1"/>
-          </p:cNvSpPr>
-          <p:nvPr>
-            <p:ph type="body" sz="quarter" idx="2"/>
-          </p:nvPr>
-        </p:nvSpPr>
-        <p:spPr/>
-        <p:txBody>
-          <a:bodyPr/>
-          <a:lstStyle/>
-          <a:p>
-            <a:r>
-              <a:rPr lang="en-US" dirty="0"/>
-              <a:t>Lorem ipsum dolor sit amet, consectetuer adipiscing elit. Maecenas porttitor congue massa. Fusce posuere, magna sed pulvinar ultricies, purus lectus malesuada libero, sit amet commodo magna eros quis urna. Nunc viverra imperdiet enim. Fusce est. Vivamus a tellus.</a:t>
-            </a:r>
-          </a:p>
-          <a:p>
-            <a:r>
-              <a:rPr lang="en-US" dirty="0"/>
-              <a:t>Pellentesque habitant morbi tristique senectus et netus et malesuada fames ac turpis egestas. Proin pharetra nonummy pede. Mauris et orci.</a:t>
-            </a:r>
-          </a:p>
-          <a:p>
-            <a:endParaRPr lang="en-US" dirty="0"/>
-          </a:p>
-          <a:p>
-            <a:endParaRPr lang="en-US" dirty="0"/>
-          </a:p>
-        </p:txBody>
-      </p:sp>
-      <p:sp>
-        <p:nvSpPr>
-          <p:cNvPr id="6" name="Text Placeholder 5">
-            <a:extLst>
-              <a:ext uri="{FF2B5EF4-FFF2-40B4-BE49-F238E27FC236}">
-                <a16:creationId xmlns:a16="http://schemas.microsoft.com/office/drawing/2014/main" id="{000A9570-5EF6-4AFB-9FCA-7C8998E3FEB1}"/>
-              </a:ext>
-            </a:extLst>
-          </p:cNvPr>
-          <p:cNvSpPr>
-            <a:spLocks noGrp="1"/>
-          </p:cNvSpPr>
-          <p:nvPr>
-            <p:ph type="body" sz="quarter" idx="4"/>
-          </p:nvPr>
-        </p:nvSpPr>
-        <p:spPr/>
-        <p:txBody>
-          <a:bodyPr/>
-          <a:lstStyle/>
-          <a:p>
-            <a:r>
-              <a:rPr lang="en-US" dirty="0"/>
-              <a:t>Lorem ipsum dolor sit amet, consectetuer adipiscing elit. Maecenas porttitor congue massa. Fusce posuere, magna sed pulvinar ultricies, purus lectus malesuada libero, sit amet commodo magna eros quis urna. Nunc viverra imperdiet enim. Fusce est. Vivamus a tellus.</a:t>
-            </a:r>
-          </a:p>
-          <a:p>
-            <a:r>
-              <a:rPr lang="en-US" dirty="0"/>
-              <a:t>Pellentesque habitant morbi tristique senectus et netus et malesuada fames ac turpis egestas. Proin pharetra nonummy pede. Mauris et orci.</a:t>
-            </a:r>
-          </a:p>
-          <a:p>
-            <a:endParaRPr lang="en-US" dirty="0"/>
+            <a:endParaRPr lang="en-US" noProof="0" dirty="0"/>
           </a:p>
         </p:txBody>
       </p:sp>
     </p:spTree>
     <p:extLst>
       <p:ext uri="{BB962C8B-B14F-4D97-AF65-F5344CB8AC3E}">
-        <p14:creationId xmlns:p14="http://schemas.microsoft.com/office/powerpoint/2010/main" val="2687334512"/>
+        <p14:creationId xmlns:p14="http://schemas.microsoft.com/office/powerpoint/2010/main" val="1592003877"/>
       </p:ext>
     </p:extLst>
   </p:cSld>
   <p:clrMapOvr>
     <a:masterClrMapping/>
   </p:clrMapOvr>
-  <mc:AlternateContent xmlns:mc="http://schemas.openxmlformats.org/markup-compatibility/2006" xmlns:p14="http://schemas.microsoft.com/office/powerpoint/2010/main">
-    <mc:Choice Requires="p14">
-      <p:transition spd="med" p14:dur="700">
-        <p:fade/>
-      </p:transition>
-    </mc:Choice>
-    <mc:Fallback xmlns="">
-      <p:transition spd="med">
-        <p:fade/>
-      </p:transition>
-    </mc:Fallback>
-  </mc:AlternateContent>
 </p:sld>
 </file>
 
@@ -31342,23 +32328,6 @@
 </file>
 
 <file path=customXml/item1.xml><?xml version="1.0" encoding="utf-8"?>
-<p:properties xmlns:p="http://schemas.microsoft.com/office/2006/metadata/properties" xmlns:xsi="http://www.w3.org/2001/XMLSchema-instance" xmlns:pc="http://schemas.microsoft.com/office/infopath/2007/PartnerControls">
-  <documentManagement>
-    <MediaServiceKeyPoints xmlns="71af3243-3dd4-4a8d-8c0d-dd76da1f02a5" xsi:nil="true"/>
-  </documentManagement>
-</p:properties>
-</file>
-
-<file path=customXml/item2.xml><?xml version="1.0" encoding="utf-8"?>
-<?mso-contentType ?>
-<FormTemplates xmlns="http://schemas.microsoft.com/sharepoint/v3/contenttype/forms">
-  <Display>DocumentLibraryForm</Display>
-  <Edit>DocumentLibraryForm</Edit>
-  <New>DocumentLibraryForm</New>
-</FormTemplates>
-</file>
-
-<file path=customXml/item3.xml><?xml version="1.0" encoding="utf-8"?>
 <ct:contentTypeSchema xmlns:ct="http://schemas.microsoft.com/office/2006/metadata/contentType" xmlns:ma="http://schemas.microsoft.com/office/2006/metadata/properties/metaAttributes" ct:_="" ma:_="" ma:contentTypeName="Document" ma:contentTypeID="0x01010079F111ED35F8CC479449609E8A0923A6" ma:contentTypeVersion="11" ma:contentTypeDescription="Create a new document." ma:contentTypeScope="" ma:versionID="96291512c1ee715ab617f4c07df79fc1">
   <xsd:schema xmlns:xsd="http://www.w3.org/2001/XMLSchema" xmlns:xs="http://www.w3.org/2001/XMLSchema" xmlns:p="http://schemas.microsoft.com/office/2006/metadata/properties" xmlns:ns2="71af3243-3dd4-4a8d-8c0d-dd76da1f02a5" xmlns:ns3="16c05727-aa75-4e4a-9b5f-8a80a1165891" targetNamespace="http://schemas.microsoft.com/office/2006/metadata/properties" ma:root="true" ma:fieldsID="8256c27c40ca5c40ce1cf6c44f0205df" ns2:_="" ns3:_="">
     <xsd:import namespace="71af3243-3dd4-4a8d-8c0d-dd76da1f02a5"/>
@@ -31569,25 +32538,24 @@
 </ct:contentTypeSchema>
 </file>
 
-<file path=customXml/itemProps1.xml><?xml version="1.0" encoding="utf-8"?>
-<ds:datastoreItem xmlns:ds="http://schemas.openxmlformats.org/officeDocument/2006/customXml" ds:itemID="{F5757914-1161-4661-9696-421FD6935CDD}">
-  <ds:schemaRefs>
-    <ds:schemaRef ds:uri="http://schemas.microsoft.com/office/2006/metadata/properties"/>
-    <ds:schemaRef ds:uri="http://schemas.microsoft.com/office/infopath/2007/PartnerControls"/>
-    <ds:schemaRef ds:uri="71af3243-3dd4-4a8d-8c0d-dd76da1f02a5"/>
-  </ds:schemaRefs>
-</ds:datastoreItem>
+<file path=customXml/item2.xml><?xml version="1.0" encoding="utf-8"?>
+<?mso-contentType ?>
+<FormTemplates xmlns="http://schemas.microsoft.com/sharepoint/v3/contenttype/forms">
+  <Display>DocumentLibraryForm</Display>
+  <Edit>DocumentLibraryForm</Edit>
+  <New>DocumentLibraryForm</New>
+</FormTemplates>
 </file>
 
-<file path=customXml/itemProps2.xml><?xml version="1.0" encoding="utf-8"?>
-<ds:datastoreItem xmlns:ds="http://schemas.openxmlformats.org/officeDocument/2006/customXml" ds:itemID="{5B26E0C9-B2AA-42E6-97B6-E1B7D9EAF129}">
-  <ds:schemaRefs>
-    <ds:schemaRef ds:uri="http://schemas.microsoft.com/sharepoint/v3/contenttype/forms"/>
-  </ds:schemaRefs>
-</ds:datastoreItem>
+<file path=customXml/item3.xml><?xml version="1.0" encoding="utf-8"?>
+<p:properties xmlns:p="http://schemas.microsoft.com/office/2006/metadata/properties" xmlns:xsi="http://www.w3.org/2001/XMLSchema-instance" xmlns:pc="http://schemas.microsoft.com/office/infopath/2007/PartnerControls">
+  <documentManagement>
+    <MediaServiceKeyPoints xmlns="71af3243-3dd4-4a8d-8c0d-dd76da1f02a5" xsi:nil="true"/>
+  </documentManagement>
+</p:properties>
 </file>
 
-<file path=customXml/itemProps3.xml><?xml version="1.0" encoding="utf-8"?>
+<file path=customXml/itemProps1.xml><?xml version="1.0" encoding="utf-8"?>
 <ds:datastoreItem xmlns:ds="http://schemas.openxmlformats.org/officeDocument/2006/customXml" ds:itemID="{4C103400-4A22-4E35-B588-4C4D42638959}">
   <ds:schemaRefs>
     <ds:schemaRef ds:uri="http://schemas.microsoft.com/office/2006/metadata/contentType"/>
@@ -31604,4 +32572,29 @@
     <ds:schemaRef ds:uri="http://schemas.microsoft.com/internal/obd"/>
   </ds:schemaRefs>
 </ds:datastoreItem>
+</file>
+
+<file path=customXml/itemProps2.xml><?xml version="1.0" encoding="utf-8"?>
+<ds:datastoreItem xmlns:ds="http://schemas.openxmlformats.org/officeDocument/2006/customXml" ds:itemID="{5B26E0C9-B2AA-42E6-97B6-E1B7D9EAF129}">
+  <ds:schemaRefs>
+    <ds:schemaRef ds:uri="http://schemas.microsoft.com/sharepoint/v3/contenttype/forms"/>
+  </ds:schemaRefs>
+</ds:datastoreItem>
+</file>
+
+<file path=customXml/itemProps3.xml><?xml version="1.0" encoding="utf-8"?>
+<ds:datastoreItem xmlns:ds="http://schemas.openxmlformats.org/officeDocument/2006/customXml" ds:itemID="{F5757914-1161-4661-9696-421FD6935CDD}">
+  <ds:schemaRefs>
+    <ds:schemaRef ds:uri="http://schemas.microsoft.com/office/2006/documentManagement/types"/>
+    <ds:schemaRef ds:uri="http://schemas.microsoft.com/office/infopath/2007/PartnerControls"/>
+    <ds:schemaRef ds:uri="http://purl.org/dc/terms/"/>
+    <ds:schemaRef ds:uri="http://purl.org/dc/dcmitype/"/>
+    <ds:schemaRef ds:uri="16c05727-aa75-4e4a-9b5f-8a80a1165891"/>
+    <ds:schemaRef ds:uri="http://www.w3.org/XML/1998/namespace"/>
+    <ds:schemaRef ds:uri="71af3243-3dd4-4a8d-8c0d-dd76da1f02a5"/>
+    <ds:schemaRef ds:uri="http://schemas.openxmlformats.org/package/2006/metadata/core-properties"/>
+    <ds:schemaRef ds:uri="http://schemas.microsoft.com/office/2006/metadata/properties"/>
+    <ds:schemaRef ds:uri="http://purl.org/dc/elements/1.1/"/>
+  </ds:schemaRefs>
+</ds:datastoreItem>
 </file>
--- a/report_presentation.pptx
+++ b/report_presentation.pptx
@@ -5,30 +5,32 @@
     <p:sldMasterId id="2147483648" r:id="rId4"/>
   </p:sldMasterIdLst>
   <p:notesMasterIdLst>
-    <p:notesMasterId r:id="rId23"/>
+    <p:notesMasterId r:id="rId25"/>
   </p:notesMasterIdLst>
   <p:handoutMasterIdLst>
-    <p:handoutMasterId r:id="rId24"/>
+    <p:handoutMasterId r:id="rId26"/>
   </p:handoutMasterIdLst>
   <p:sldIdLst>
     <p:sldId id="256" r:id="rId5"/>
     <p:sldId id="258" r:id="rId6"/>
-    <p:sldId id="257" r:id="rId7"/>
-    <p:sldId id="261" r:id="rId8"/>
-    <p:sldId id="285" r:id="rId9"/>
-    <p:sldId id="260" r:id="rId10"/>
-    <p:sldId id="291" r:id="rId11"/>
-    <p:sldId id="289" r:id="rId12"/>
-    <p:sldId id="286" r:id="rId13"/>
-    <p:sldId id="290" r:id="rId14"/>
-    <p:sldId id="292" r:id="rId15"/>
-    <p:sldId id="287" r:id="rId16"/>
-    <p:sldId id="262" r:id="rId17"/>
-    <p:sldId id="283" r:id="rId18"/>
-    <p:sldId id="264" r:id="rId19"/>
-    <p:sldId id="266" r:id="rId20"/>
-    <p:sldId id="284" r:id="rId21"/>
-    <p:sldId id="269" r:id="rId22"/>
+    <p:sldId id="293" r:id="rId7"/>
+    <p:sldId id="257" r:id="rId8"/>
+    <p:sldId id="261" r:id="rId9"/>
+    <p:sldId id="285" r:id="rId10"/>
+    <p:sldId id="260" r:id="rId11"/>
+    <p:sldId id="291" r:id="rId12"/>
+    <p:sldId id="289" r:id="rId13"/>
+    <p:sldId id="286" r:id="rId14"/>
+    <p:sldId id="290" r:id="rId15"/>
+    <p:sldId id="292" r:id="rId16"/>
+    <p:sldId id="287" r:id="rId17"/>
+    <p:sldId id="294" r:id="rId18"/>
+    <p:sldId id="262" r:id="rId19"/>
+    <p:sldId id="283" r:id="rId20"/>
+    <p:sldId id="264" r:id="rId21"/>
+    <p:sldId id="266" r:id="rId22"/>
+    <p:sldId id="284" r:id="rId23"/>
+    <p:sldId id="269" r:id="rId24"/>
   </p:sldIdLst>
   <p:sldSz cx="12192000" cy="6858000"/>
   <p:notesSz cx="6858000" cy="9144000"/>
@@ -161,17 +163,56 @@
 <pc:chgInfo xmlns:a="http://schemas.openxmlformats.org/drawingml/2006/main" xmlns:r="http://schemas.openxmlformats.org/officeDocument/2006/relationships" xmlns:ac="http://schemas.microsoft.com/office/drawing/2013/main/command" xmlns:pc="http://schemas.microsoft.com/office/powerpoint/2013/main/command">
   <pc:docChgLst>
     <pc:chgData name="Vasileios Ntaoulas" userId="019b8d86-4639-4c0e-a76e-43d098cf21e7" providerId="ADAL" clId="{C7A7ECF9-9CED-4093-8646-78E15AF0EC69}"/>
-    <pc:docChg chg="undo custSel addSld delSld modSld sldOrd">
-      <pc:chgData name="Vasileios Ntaoulas" userId="019b8d86-4639-4c0e-a76e-43d098cf21e7" providerId="ADAL" clId="{C7A7ECF9-9CED-4093-8646-78E15AF0EC69}" dt="2023-01-16T18:11:58.323" v="516" actId="478"/>
+    <pc:docChg chg="undo redo custSel addSld delSld modSld sldOrd">
+      <pc:chgData name="Vasileios Ntaoulas" userId="019b8d86-4639-4c0e-a76e-43d098cf21e7" providerId="ADAL" clId="{C7A7ECF9-9CED-4093-8646-78E15AF0EC69}" dt="2023-01-21T14:06:56.769" v="749" actId="1076"/>
       <pc:docMkLst>
         <pc:docMk/>
       </pc:docMkLst>
-      <pc:sldChg chg="modSp mod ord">
-        <pc:chgData name="Vasileios Ntaoulas" userId="019b8d86-4639-4c0e-a76e-43d098cf21e7" providerId="ADAL" clId="{C7A7ECF9-9CED-4093-8646-78E15AF0EC69}" dt="2023-01-16T17:43:35.448" v="76" actId="1076"/>
+      <pc:sldChg chg="modSp mod">
+        <pc:chgData name="Vasileios Ntaoulas" userId="019b8d86-4639-4c0e-a76e-43d098cf21e7" providerId="ADAL" clId="{C7A7ECF9-9CED-4093-8646-78E15AF0EC69}" dt="2023-01-21T13:53:40.440" v="629" actId="12788"/>
+        <pc:sldMkLst>
+          <pc:docMk/>
+          <pc:sldMk cId="3946934594" sldId="256"/>
+        </pc:sldMkLst>
+        <pc:spChg chg="mod">
+          <ac:chgData name="Vasileios Ntaoulas" userId="019b8d86-4639-4c0e-a76e-43d098cf21e7" providerId="ADAL" clId="{C7A7ECF9-9CED-4093-8646-78E15AF0EC69}" dt="2023-01-21T13:53:26.323" v="627" actId="12788"/>
+          <ac:spMkLst>
+            <pc:docMk/>
+            <pc:sldMk cId="3946934594" sldId="256"/>
+            <ac:spMk id="2" creationId="{632BE5BF-9922-45FB-8F3F-4446D40A051B}"/>
+          </ac:spMkLst>
+        </pc:spChg>
+        <pc:spChg chg="mod">
+          <ac:chgData name="Vasileios Ntaoulas" userId="019b8d86-4639-4c0e-a76e-43d098cf21e7" providerId="ADAL" clId="{C7A7ECF9-9CED-4093-8646-78E15AF0EC69}" dt="2023-01-21T13:53:34.656" v="628" actId="12788"/>
+          <ac:spMkLst>
+            <pc:docMk/>
+            <pc:sldMk cId="3946934594" sldId="256"/>
+            <ac:spMk id="3" creationId="{0D537F64-4C96-4AA8-BB21-E8053A3186DD}"/>
+          </ac:spMkLst>
+        </pc:spChg>
+        <pc:spChg chg="mod">
+          <ac:chgData name="Vasileios Ntaoulas" userId="019b8d86-4639-4c0e-a76e-43d098cf21e7" providerId="ADAL" clId="{C7A7ECF9-9CED-4093-8646-78E15AF0EC69}" dt="2023-01-21T13:53:40.440" v="629" actId="12788"/>
+          <ac:spMkLst>
+            <pc:docMk/>
+            <pc:sldMk cId="3946934594" sldId="256"/>
+            <ac:spMk id="8" creationId="{5519C231-C228-1819-68D3-CD7DCC56359D}"/>
+          </ac:spMkLst>
+        </pc:spChg>
+      </pc:sldChg>
+      <pc:sldChg chg="addSp modSp mod ord">
+        <pc:chgData name="Vasileios Ntaoulas" userId="019b8d86-4639-4c0e-a76e-43d098cf21e7" providerId="ADAL" clId="{C7A7ECF9-9CED-4093-8646-78E15AF0EC69}" dt="2023-01-21T13:57:01.279" v="668" actId="1076"/>
         <pc:sldMkLst>
           <pc:docMk/>
           <pc:sldMk cId="3733486012" sldId="258"/>
         </pc:sldMkLst>
+        <pc:spChg chg="add mod">
+          <ac:chgData name="Vasileios Ntaoulas" userId="019b8d86-4639-4c0e-a76e-43d098cf21e7" providerId="ADAL" clId="{C7A7ECF9-9CED-4093-8646-78E15AF0EC69}" dt="2023-01-21T13:56:50.981" v="667" actId="20577"/>
+          <ac:spMkLst>
+            <pc:docMk/>
+            <pc:sldMk cId="3733486012" sldId="258"/>
+            <ac:spMk id="3" creationId="{829FF87A-705E-B625-0420-C66C77A3A161}"/>
+          </ac:spMkLst>
+        </pc:spChg>
         <pc:spChg chg="mod">
           <ac:chgData name="Vasileios Ntaoulas" userId="019b8d86-4639-4c0e-a76e-43d098cf21e7" providerId="ADAL" clId="{C7A7ECF9-9CED-4093-8646-78E15AF0EC69}" dt="2023-01-16T17:43:23.665" v="75" actId="403"/>
           <ac:spMkLst>
@@ -181,7 +222,7 @@
           </ac:spMkLst>
         </pc:spChg>
         <pc:spChg chg="mod">
-          <ac:chgData name="Vasileios Ntaoulas" userId="019b8d86-4639-4c0e-a76e-43d098cf21e7" providerId="ADAL" clId="{C7A7ECF9-9CED-4093-8646-78E15AF0EC69}" dt="2023-01-16T17:43:35.448" v="76" actId="1076"/>
+          <ac:chgData name="Vasileios Ntaoulas" userId="019b8d86-4639-4c0e-a76e-43d098cf21e7" providerId="ADAL" clId="{C7A7ECF9-9CED-4093-8646-78E15AF0EC69}" dt="2023-01-21T13:57:01.279" v="668" actId="1076"/>
           <ac:spMkLst>
             <pc:docMk/>
             <pc:sldMk cId="3733486012" sldId="258"/>
@@ -189,8 +230,23 @@
           </ac:spMkLst>
         </pc:spChg>
       </pc:sldChg>
+      <pc:sldChg chg="modSp mod">
+        <pc:chgData name="Vasileios Ntaoulas" userId="019b8d86-4639-4c0e-a76e-43d098cf21e7" providerId="ADAL" clId="{C7A7ECF9-9CED-4093-8646-78E15AF0EC69}" dt="2023-01-21T14:03:48.207" v="713" actId="27636"/>
+        <pc:sldMkLst>
+          <pc:docMk/>
+          <pc:sldMk cId="709828751" sldId="260"/>
+        </pc:sldMkLst>
+        <pc:spChg chg="mod">
+          <ac:chgData name="Vasileios Ntaoulas" userId="019b8d86-4639-4c0e-a76e-43d098cf21e7" providerId="ADAL" clId="{C7A7ECF9-9CED-4093-8646-78E15AF0EC69}" dt="2023-01-21T14:03:48.207" v="713" actId="27636"/>
+          <ac:spMkLst>
+            <pc:docMk/>
+            <pc:sldMk cId="709828751" sldId="260"/>
+            <ac:spMk id="4" creationId="{BD179B88-D43C-4A31-9A52-3498E9430782}"/>
+          </ac:spMkLst>
+        </pc:spChg>
+      </pc:sldChg>
       <pc:sldChg chg="addSp delSp modSp mod ord">
-        <pc:chgData name="Vasileios Ntaoulas" userId="019b8d86-4639-4c0e-a76e-43d098cf21e7" providerId="ADAL" clId="{C7A7ECF9-9CED-4093-8646-78E15AF0EC69}" dt="2023-01-16T18:07:25.780" v="486" actId="1076"/>
+        <pc:chgData name="Vasileios Ntaoulas" userId="019b8d86-4639-4c0e-a76e-43d098cf21e7" providerId="ADAL" clId="{C7A7ECF9-9CED-4093-8646-78E15AF0EC69}" dt="2023-01-21T13:51:55.753" v="620" actId="1076"/>
         <pc:sldMkLst>
           <pc:docMk/>
           <pc:sldMk cId="3607270498" sldId="261"/>
@@ -244,7 +300,7 @@
           </ac:spMkLst>
         </pc:spChg>
         <pc:spChg chg="add mod">
-          <ac:chgData name="Vasileios Ntaoulas" userId="019b8d86-4639-4c0e-a76e-43d098cf21e7" providerId="ADAL" clId="{C7A7ECF9-9CED-4093-8646-78E15AF0EC69}" dt="2023-01-16T18:07:25.780" v="486" actId="1076"/>
+          <ac:chgData name="Vasileios Ntaoulas" userId="019b8d86-4639-4c0e-a76e-43d098cf21e7" providerId="ADAL" clId="{C7A7ECF9-9CED-4093-8646-78E15AF0EC69}" dt="2023-01-21T13:51:55.753" v="620" actId="1076"/>
           <ac:spMkLst>
             <pc:docMk/>
             <pc:sldMk cId="3607270498" sldId="261"/>
@@ -268,8 +324,31 @@
           </ac:picMkLst>
         </pc:picChg>
       </pc:sldChg>
+      <pc:sldChg chg="addSp modSp mod">
+        <pc:chgData name="Vasileios Ntaoulas" userId="019b8d86-4639-4c0e-a76e-43d098cf21e7" providerId="ADAL" clId="{C7A7ECF9-9CED-4093-8646-78E15AF0EC69}" dt="2023-01-21T14:06:56.769" v="749" actId="1076"/>
+        <pc:sldMkLst>
+          <pc:docMk/>
+          <pc:sldMk cId="429771863" sldId="269"/>
+        </pc:sldMkLst>
+        <pc:spChg chg="mod">
+          <ac:chgData name="Vasileios Ntaoulas" userId="019b8d86-4639-4c0e-a76e-43d098cf21e7" providerId="ADAL" clId="{C7A7ECF9-9CED-4093-8646-78E15AF0EC69}" dt="2023-01-21T14:06:09.035" v="744" actId="14100"/>
+          <ac:spMkLst>
+            <pc:docMk/>
+            <pc:sldMk cId="429771863" sldId="269"/>
+            <ac:spMk id="2" creationId="{632BE5BF-9922-45FB-8F3F-4446D40A051B}"/>
+          </ac:spMkLst>
+        </pc:spChg>
+        <pc:spChg chg="add mod">
+          <ac:chgData name="Vasileios Ntaoulas" userId="019b8d86-4639-4c0e-a76e-43d098cf21e7" providerId="ADAL" clId="{C7A7ECF9-9CED-4093-8646-78E15AF0EC69}" dt="2023-01-21T14:06:56.769" v="749" actId="1076"/>
+          <ac:spMkLst>
+            <pc:docMk/>
+            <pc:sldMk cId="429771863" sldId="269"/>
+            <ac:spMk id="3" creationId="{2EDE1A7B-49FA-CEC9-1E9A-742A122792CC}"/>
+          </ac:spMkLst>
+        </pc:spChg>
+      </pc:sldChg>
       <pc:sldChg chg="mod">
-        <pc:chgData name="Vasileios Ntaoulas" userId="019b8d86-4639-4c0e-a76e-43d098cf21e7" providerId="ADAL" clId="{C7A7ECF9-9CED-4093-8646-78E15AF0EC69}" dt="2023-01-16T17:46:05.702" v="93" actId="27918"/>
+        <pc:chgData name="Vasileios Ntaoulas" userId="019b8d86-4639-4c0e-a76e-43d098cf21e7" providerId="ADAL" clId="{C7A7ECF9-9CED-4093-8646-78E15AF0EC69}" dt="2023-01-21T14:01:47.023" v="678" actId="27918"/>
         <pc:sldMkLst>
           <pc:docMk/>
           <pc:sldMk cId="3322300142" sldId="284"/>
@@ -313,13 +392,13 @@
         </pc:spChg>
       </pc:sldChg>
       <pc:sldChg chg="modSp add mod">
-        <pc:chgData name="Vasileios Ntaoulas" userId="019b8d86-4639-4c0e-a76e-43d098cf21e7" providerId="ADAL" clId="{C7A7ECF9-9CED-4093-8646-78E15AF0EC69}" dt="2023-01-16T17:44:29.758" v="89" actId="14100"/>
+        <pc:chgData name="Vasileios Ntaoulas" userId="019b8d86-4639-4c0e-a76e-43d098cf21e7" providerId="ADAL" clId="{C7A7ECF9-9CED-4093-8646-78E15AF0EC69}" dt="2023-01-21T14:03:57.694" v="714" actId="255"/>
         <pc:sldMkLst>
           <pc:docMk/>
           <pc:sldMk cId="660312521" sldId="290"/>
         </pc:sldMkLst>
         <pc:spChg chg="mod">
-          <ac:chgData name="Vasileios Ntaoulas" userId="019b8d86-4639-4c0e-a76e-43d098cf21e7" providerId="ADAL" clId="{C7A7ECF9-9CED-4093-8646-78E15AF0EC69}" dt="2023-01-16T17:44:29.758" v="89" actId="14100"/>
+          <ac:chgData name="Vasileios Ntaoulas" userId="019b8d86-4639-4c0e-a76e-43d098cf21e7" providerId="ADAL" clId="{C7A7ECF9-9CED-4093-8646-78E15AF0EC69}" dt="2023-01-21T14:03:57.694" v="714" actId="255"/>
           <ac:spMkLst>
             <pc:docMk/>
             <pc:sldMk cId="660312521" sldId="290"/>
@@ -367,7 +446,7 @@
         </pc:picChg>
       </pc:sldChg>
       <pc:sldChg chg="delSp modSp add mod">
-        <pc:chgData name="Vasileios Ntaoulas" userId="019b8d86-4639-4c0e-a76e-43d098cf21e7" providerId="ADAL" clId="{C7A7ECF9-9CED-4093-8646-78E15AF0EC69}" dt="2023-01-16T18:11:58.323" v="516" actId="478"/>
+        <pc:chgData name="Vasileios Ntaoulas" userId="019b8d86-4639-4c0e-a76e-43d098cf21e7" providerId="ADAL" clId="{C7A7ECF9-9CED-4093-8646-78E15AF0EC69}" dt="2023-01-21T14:01:09.636" v="676" actId="20577"/>
         <pc:sldMkLst>
           <pc:docMk/>
           <pc:sldMk cId="905488132" sldId="292"/>
@@ -381,7 +460,7 @@
           </ac:spMkLst>
         </pc:spChg>
         <pc:spChg chg="mod">
-          <ac:chgData name="Vasileios Ntaoulas" userId="019b8d86-4639-4c0e-a76e-43d098cf21e7" providerId="ADAL" clId="{C7A7ECF9-9CED-4093-8646-78E15AF0EC69}" dt="2023-01-16T18:11:55.729" v="514" actId="114"/>
+          <ac:chgData name="Vasileios Ntaoulas" userId="019b8d86-4639-4c0e-a76e-43d098cf21e7" providerId="ADAL" clId="{C7A7ECF9-9CED-4093-8646-78E15AF0EC69}" dt="2023-01-21T14:01:09.636" v="676" actId="20577"/>
           <ac:spMkLst>
             <pc:docMk/>
             <pc:sldMk cId="905488132" sldId="292"/>
@@ -404,6 +483,68 @@
             <ac:picMk id="15" creationId="{D9589739-B711-59A2-F023-EFC9A664C867}"/>
           </ac:picMkLst>
         </pc:picChg>
+      </pc:sldChg>
+      <pc:sldChg chg="addSp delSp modSp add mod">
+        <pc:chgData name="Vasileios Ntaoulas" userId="019b8d86-4639-4c0e-a76e-43d098cf21e7" providerId="ADAL" clId="{C7A7ECF9-9CED-4093-8646-78E15AF0EC69}" dt="2023-01-21T13:57:34.197" v="675" actId="20577"/>
+        <pc:sldMkLst>
+          <pc:docMk/>
+          <pc:sldMk cId="2646602192" sldId="293"/>
+        </pc:sldMkLst>
+        <pc:spChg chg="add del mod">
+          <ac:chgData name="Vasileios Ntaoulas" userId="019b8d86-4639-4c0e-a76e-43d098cf21e7" providerId="ADAL" clId="{C7A7ECF9-9CED-4093-8646-78E15AF0EC69}" dt="2023-01-21T13:29:20.610" v="549" actId="478"/>
+          <ac:spMkLst>
+            <pc:docMk/>
+            <pc:sldMk cId="2646602192" sldId="293"/>
+            <ac:spMk id="4" creationId="{5373D2E2-A398-9E7C-0E83-3DA1366277D5}"/>
+          </ac:spMkLst>
+        </pc:spChg>
+        <pc:spChg chg="mod">
+          <ac:chgData name="Vasileios Ntaoulas" userId="019b8d86-4639-4c0e-a76e-43d098cf21e7" providerId="ADAL" clId="{C7A7ECF9-9CED-4093-8646-78E15AF0EC69}" dt="2023-01-21T13:28:26.056" v="547" actId="20577"/>
+          <ac:spMkLst>
+            <pc:docMk/>
+            <pc:sldMk cId="2646602192" sldId="293"/>
+            <ac:spMk id="7" creationId="{7875C19A-1AAE-476A-A316-A2CF92D763D3}"/>
+          </ac:spMkLst>
+        </pc:spChg>
+        <pc:spChg chg="add mod">
+          <ac:chgData name="Vasileios Ntaoulas" userId="019b8d86-4639-4c0e-a76e-43d098cf21e7" providerId="ADAL" clId="{C7A7ECF9-9CED-4093-8646-78E15AF0EC69}" dt="2023-01-21T13:57:34.197" v="675" actId="20577"/>
+          <ac:spMkLst>
+            <pc:docMk/>
+            <pc:sldMk cId="2646602192" sldId="293"/>
+            <ac:spMk id="8" creationId="{7F2AD71B-A36B-CA89-0174-5E3FE3096BEF}"/>
+          </ac:spMkLst>
+        </pc:spChg>
+        <pc:spChg chg="del">
+          <ac:chgData name="Vasileios Ntaoulas" userId="019b8d86-4639-4c0e-a76e-43d098cf21e7" providerId="ADAL" clId="{C7A7ECF9-9CED-4093-8646-78E15AF0EC69}" dt="2023-01-21T13:29:16.618" v="548" actId="478"/>
+          <ac:spMkLst>
+            <pc:docMk/>
+            <pc:sldMk cId="2646602192" sldId="293"/>
+            <ac:spMk id="10" creationId="{EF2BC084-E6DB-4DE7-B309-042A85EBA700}"/>
+          </ac:spMkLst>
+        </pc:spChg>
+        <pc:picChg chg="add mod">
+          <ac:chgData name="Vasileios Ntaoulas" userId="019b8d86-4639-4c0e-a76e-43d098cf21e7" providerId="ADAL" clId="{C7A7ECF9-9CED-4093-8646-78E15AF0EC69}" dt="2023-01-21T13:29:38.424" v="552" actId="1076"/>
+          <ac:picMkLst>
+            <pc:docMk/>
+            <pc:sldMk cId="2646602192" sldId="293"/>
+            <ac:picMk id="6" creationId="{D03F4D88-171D-8451-EA2C-7012F322C764}"/>
+          </ac:picMkLst>
+        </pc:picChg>
+      </pc:sldChg>
+      <pc:sldChg chg="modSp add mod">
+        <pc:chgData name="Vasileios Ntaoulas" userId="019b8d86-4639-4c0e-a76e-43d098cf21e7" providerId="ADAL" clId="{C7A7ECF9-9CED-4093-8646-78E15AF0EC69}" dt="2023-01-21T14:03:15.109" v="708" actId="20577"/>
+        <pc:sldMkLst>
+          <pc:docMk/>
+          <pc:sldMk cId="981738564" sldId="294"/>
+        </pc:sldMkLst>
+        <pc:spChg chg="mod">
+          <ac:chgData name="Vasileios Ntaoulas" userId="019b8d86-4639-4c0e-a76e-43d098cf21e7" providerId="ADAL" clId="{C7A7ECF9-9CED-4093-8646-78E15AF0EC69}" dt="2023-01-21T14:03:15.109" v="708" actId="20577"/>
+          <ac:spMkLst>
+            <pc:docMk/>
+            <pc:sldMk cId="981738564" sldId="294"/>
+            <ac:spMk id="4" creationId="{BD179B88-D43C-4A31-9A52-3498E9430782}"/>
+          </ac:spMkLst>
+        </pc:spChg>
       </pc:sldChg>
     </pc:docChg>
   </pc:docChgLst>
@@ -1415,7 +1556,7 @@
           <a:p>
             <a:fld id="{1CA5457B-CDAE-4DEB-AEC8-C82DE2312E37}" type="datetimeFigureOut">
               <a:rPr lang="en-US" smtClean="0"/>
-              <a:t>1/16/2023</a:t>
+              <a:t>1/21/2023</a:t>
             </a:fld>
             <a:endParaRPr lang="en-US" dirty="0"/>
           </a:p>
@@ -1592,7 +1733,7 @@
           <a:p>
             <a:fld id="{090B78EA-28CE-41D8-9043-90E391E5F567}" type="datetimeFigureOut">
               <a:rPr lang="en-US" noProof="0" smtClean="0"/>
-              <a:t>1/16/2023</a:t>
+              <a:t>1/21/2023</a:t>
             </a:fld>
             <a:endParaRPr lang="en-US" noProof="0" dirty="0"/>
           </a:p>
@@ -26572,7 +26713,7 @@
         </p:nvSpPr>
         <p:spPr>
           <a:xfrm>
-            <a:off x="2518472" y="1691392"/>
+            <a:off x="2557272" y="1691392"/>
             <a:ext cx="7077456" cy="1243584"/>
           </a:xfrm>
         </p:spPr>
@@ -26580,6 +26721,7 @@
           <a:bodyPr/>
           <a:lstStyle/>
           <a:p>
+            <a:pPr algn="ctr"/>
             <a:r>
               <a:rPr lang="en-US" sz="4400" dirty="0"/>
               <a:t>Scalable Processing of Dominance-Based Queries</a:t>
@@ -26605,8 +26747,8 @@
         </p:nvSpPr>
         <p:spPr>
           <a:xfrm>
-            <a:off x="2518472" y="3017272"/>
-            <a:ext cx="7077456" cy="868680"/>
+            <a:off x="2698750" y="3006811"/>
+            <a:ext cx="6794500" cy="868680"/>
           </a:xfrm>
         </p:spPr>
         <p:txBody>
@@ -26615,7 +26757,7 @@
           </a:bodyPr>
           <a:lstStyle/>
           <a:p>
-            <a:pPr marL="0" indent="0">
+            <a:pPr marL="0" indent="0" algn="ctr">
               <a:buNone/>
             </a:pPr>
             <a:r>
@@ -26758,6 +26900,66 @@
       </p:grpSpPr>
       <p:sp>
         <p:nvSpPr>
+          <p:cNvPr id="2" name="Slide Number Placeholder 1">
+            <a:extLst>
+              <a:ext uri="{FF2B5EF4-FFF2-40B4-BE49-F238E27FC236}">
+                <a16:creationId xmlns:a16="http://schemas.microsoft.com/office/drawing/2014/main" id="{ED5D82C7-8910-CEE9-A138-FEAA3F66FEC7}"/>
+              </a:ext>
+            </a:extLst>
+          </p:cNvPr>
+          <p:cNvSpPr>
+            <a:spLocks noGrp="1"/>
+          </p:cNvSpPr>
+          <p:nvPr>
+            <p:ph type="sldNum" sz="quarter" idx="12"/>
+          </p:nvPr>
+        </p:nvSpPr>
+        <p:spPr/>
+        <p:txBody>
+          <a:bodyPr/>
+          <a:lstStyle/>
+          <a:p>
+            <a:fld id="{C263D6C4-4840-40CC-AC84-17E24B3B7BDE}" type="slidenum">
+              <a:rPr lang="en-US" noProof="0" smtClean="0"/>
+              <a:pPr/>
+              <a:t>10</a:t>
+            </a:fld>
+            <a:endParaRPr lang="en-US" noProof="0" dirty="0"/>
+          </a:p>
+        </p:txBody>
+      </p:sp>
+    </p:spTree>
+    <p:extLst>
+      <p:ext uri="{BB962C8B-B14F-4D97-AF65-F5344CB8AC3E}">
+        <p14:creationId xmlns:p14="http://schemas.microsoft.com/office/powerpoint/2010/main" val="1592003877"/>
+      </p:ext>
+    </p:extLst>
+  </p:cSld>
+  <p:clrMapOvr>
+    <a:masterClrMapping/>
+  </p:clrMapOvr>
+</p:sld>
+</file>
+
+<file path=ppt/slides/slide11.xml><?xml version="1.0" encoding="utf-8"?>
+<p:sld xmlns:a="http://schemas.openxmlformats.org/drawingml/2006/main" xmlns:r="http://schemas.openxmlformats.org/officeDocument/2006/relationships" xmlns:p="http://schemas.openxmlformats.org/presentationml/2006/main">
+  <p:cSld>
+    <p:spTree>
+      <p:nvGrpSpPr>
+        <p:cNvPr id="1" name=""/>
+        <p:cNvGrpSpPr/>
+        <p:nvPr/>
+      </p:nvGrpSpPr>
+      <p:grpSpPr>
+        <a:xfrm>
+          <a:off x="0" y="0"/>
+          <a:ext cx="0" cy="0"/>
+          <a:chOff x="0" y="0"/>
+          <a:chExt cx="0" cy="0"/>
+        </a:xfrm>
+      </p:grpSpPr>
+      <p:sp>
+        <p:nvSpPr>
           <p:cNvPr id="4" name="Title 3">
             <a:extLst>
               <a:ext uri="{FF2B5EF4-FFF2-40B4-BE49-F238E27FC236}">
@@ -26775,7 +26977,7 @@
         <p:spPr/>
         <p:txBody>
           <a:bodyPr>
-            <a:normAutofit fontScale="90000"/>
+            <a:noAutofit/>
           </a:bodyPr>
           <a:lstStyle/>
           <a:p>
@@ -26815,7 +27017,7 @@
             <a:fld id="{C263D6C4-4840-40CC-AC84-17E24B3B7BDE}" type="slidenum">
               <a:rPr lang="en-US" smtClean="0"/>
               <a:pPr/>
-              <a:t>10</a:t>
+              <a:t>11</a:t>
             </a:fld>
             <a:endParaRPr lang="en-US" dirty="0"/>
           </a:p>
@@ -26825,207 +27027,6 @@
     <p:extLst>
       <p:ext uri="{BB962C8B-B14F-4D97-AF65-F5344CB8AC3E}">
         <p14:creationId xmlns:p14="http://schemas.microsoft.com/office/powerpoint/2010/main" val="660312521"/>
-      </p:ext>
-    </p:extLst>
-  </p:cSld>
-  <p:clrMapOvr>
-    <a:masterClrMapping/>
-  </p:clrMapOvr>
-  <mc:AlternateContent xmlns:mc="http://schemas.openxmlformats.org/markup-compatibility/2006" xmlns:p14="http://schemas.microsoft.com/office/powerpoint/2010/main">
-    <mc:Choice Requires="p14">
-      <p:transition spd="med" p14:dur="700">
-        <p:fade/>
-      </p:transition>
-    </mc:Choice>
-    <mc:Fallback xmlns="">
-      <p:transition spd="med">
-        <p:fade/>
-      </p:transition>
-    </mc:Fallback>
-  </mc:AlternateContent>
-</p:sld>
-</file>
-
-<file path=ppt/slides/slide11.xml><?xml version="1.0" encoding="utf-8"?>
-<p:sld xmlns:a="http://schemas.openxmlformats.org/drawingml/2006/main" xmlns:r="http://schemas.openxmlformats.org/officeDocument/2006/relationships" xmlns:p="http://schemas.openxmlformats.org/presentationml/2006/main">
-  <p:cSld>
-    <p:spTree>
-      <p:nvGrpSpPr>
-        <p:cNvPr id="1" name=""/>
-        <p:cNvGrpSpPr/>
-        <p:nvPr/>
-      </p:nvGrpSpPr>
-      <p:grpSpPr>
-        <a:xfrm>
-          <a:off x="0" y="0"/>
-          <a:ext cx="0" cy="0"/>
-          <a:chOff x="0" y="0"/>
-          <a:chExt cx="0" cy="0"/>
-        </a:xfrm>
-      </p:grpSpPr>
-      <p:sp>
-        <p:nvSpPr>
-          <p:cNvPr id="4" name="Title 3">
-            <a:extLst>
-              <a:ext uri="{FF2B5EF4-FFF2-40B4-BE49-F238E27FC236}">
-                <a16:creationId xmlns:a16="http://schemas.microsoft.com/office/drawing/2014/main" id="{315E3981-F0D7-482C-A8E0-6A57700BECA7}"/>
-              </a:ext>
-            </a:extLst>
-          </p:cNvPr>
-          <p:cNvSpPr>
-            <a:spLocks noGrp="1"/>
-          </p:cNvSpPr>
-          <p:nvPr>
-            <p:ph type="title"/>
-          </p:nvPr>
-        </p:nvSpPr>
-        <p:spPr/>
-        <p:txBody>
-          <a:bodyPr/>
-          <a:lstStyle/>
-          <a:p>
-            <a:r>
-              <a:rPr lang="en-US" dirty="0"/>
-              <a:t>Task 3</a:t>
-            </a:r>
-          </a:p>
-        </p:txBody>
-      </p:sp>
-      <p:sp>
-        <p:nvSpPr>
-          <p:cNvPr id="2" name="Slide Number Placeholder 1">
-            <a:extLst>
-              <a:ext uri="{FF2B5EF4-FFF2-40B4-BE49-F238E27FC236}">
-                <a16:creationId xmlns:a16="http://schemas.microsoft.com/office/drawing/2014/main" id="{520FC4EE-F318-4344-9E3C-B950ADB63865}"/>
-              </a:ext>
-            </a:extLst>
-          </p:cNvPr>
-          <p:cNvSpPr>
-            <a:spLocks noGrp="1"/>
-          </p:cNvSpPr>
-          <p:nvPr>
-            <p:ph type="sldNum" sz="quarter" idx="12"/>
-          </p:nvPr>
-        </p:nvSpPr>
-        <p:spPr/>
-        <p:txBody>
-          <a:bodyPr/>
-          <a:lstStyle/>
-          <a:p>
-            <a:fld id="{C263D6C4-4840-40CC-AC84-17E24B3B7BDE}" type="slidenum">
-              <a:rPr lang="en-US" smtClean="0"/>
-              <a:pPr/>
-              <a:t>11</a:t>
-            </a:fld>
-            <a:endParaRPr lang="en-US" dirty="0"/>
-          </a:p>
-        </p:txBody>
-      </p:sp>
-      <p:sp>
-        <p:nvSpPr>
-          <p:cNvPr id="7" name="Text Placeholder 6">
-            <a:extLst>
-              <a:ext uri="{FF2B5EF4-FFF2-40B4-BE49-F238E27FC236}">
-                <a16:creationId xmlns:a16="http://schemas.microsoft.com/office/drawing/2014/main" id="{B74126B4-1E6C-4FFF-9282-40E18A85A07F}"/>
-              </a:ext>
-            </a:extLst>
-          </p:cNvPr>
-          <p:cNvSpPr>
-            <a:spLocks noGrp="1"/>
-          </p:cNvSpPr>
-          <p:nvPr>
-            <p:ph type="body" sz="quarter" idx="1"/>
-          </p:nvPr>
-        </p:nvSpPr>
-        <p:spPr>
-          <a:xfrm>
-            <a:off x="386526" y="1681163"/>
-            <a:ext cx="11418949" cy="823912"/>
-          </a:xfrm>
-        </p:spPr>
-        <p:txBody>
-          <a:bodyPr>
-            <a:normAutofit/>
-          </a:bodyPr>
-          <a:lstStyle/>
-          <a:p>
-            <a:pPr algn="just"/>
-            <a:r>
-              <a:rPr lang="en-US" b="0" dirty="0"/>
-              <a:t>In Task 3, our work was to find the </a:t>
-            </a:r>
-            <a:r>
-              <a:rPr lang="en-US" i="1" dirty="0"/>
-              <a:t>top-k </a:t>
-            </a:r>
-            <a:r>
-              <a:rPr lang="en-US" dirty="0"/>
-              <a:t>dominating</a:t>
-            </a:r>
-            <a:r>
-              <a:rPr lang="en-US" b="0" dirty="0"/>
-              <a:t> points that belong to the </a:t>
-            </a:r>
-            <a:r>
-              <a:rPr lang="en-US" i="1" dirty="0"/>
-              <a:t>skyline</a:t>
-            </a:r>
-            <a:r>
-              <a:rPr lang="en-US" b="0" dirty="0"/>
-              <a:t> set</a:t>
-            </a:r>
-          </a:p>
-        </p:txBody>
-      </p:sp>
-      <p:sp>
-        <p:nvSpPr>
-          <p:cNvPr id="8" name="Text Placeholder 7">
-            <a:extLst>
-              <a:ext uri="{FF2B5EF4-FFF2-40B4-BE49-F238E27FC236}">
-                <a16:creationId xmlns:a16="http://schemas.microsoft.com/office/drawing/2014/main" id="{47DC4E62-1A34-4F98-A451-214F1808519C}"/>
-              </a:ext>
-            </a:extLst>
-          </p:cNvPr>
-          <p:cNvSpPr>
-            <a:spLocks noGrp="1"/>
-          </p:cNvSpPr>
-          <p:nvPr>
-            <p:ph type="body" sz="quarter" idx="2"/>
-          </p:nvPr>
-        </p:nvSpPr>
-        <p:spPr>
-          <a:xfrm>
-            <a:off x="6892801" y="2567781"/>
-            <a:ext cx="5157787" cy="3684588"/>
-          </a:xfrm>
-        </p:spPr>
-        <p:txBody>
-          <a:bodyPr/>
-          <a:lstStyle/>
-          <a:p>
-            <a:r>
-              <a:rPr lang="en-US" dirty="0"/>
-              <a:t>Lorem ipsum dolor sit amet, consectetuer adipiscing elit. Maecenas porttitor congue massa. Fusce posuere, magna sed pulvinar ultricies, purus lectus malesuada libero, sit amet commodo magna eros quis urna. Nunc viverra imperdiet enim. Fusce est. Vivamus a tellus.</a:t>
-            </a:r>
-          </a:p>
-          <a:p>
-            <a:r>
-              <a:rPr lang="en-US" dirty="0"/>
-              <a:t>Pellentesque habitant morbi tristique senectus et netus et malesuada fames ac turpis egestas. Proin pharetra nonummy pede. Mauris et orci.</a:t>
-            </a:r>
-          </a:p>
-          <a:p>
-            <a:endParaRPr lang="en-US" dirty="0"/>
-          </a:p>
-          <a:p>
-            <a:endParaRPr lang="en-US" dirty="0"/>
-          </a:p>
-        </p:txBody>
-      </p:sp>
-    </p:spTree>
-    <p:extLst>
-      <p:ext uri="{BB962C8B-B14F-4D97-AF65-F5344CB8AC3E}">
-        <p14:creationId xmlns:p14="http://schemas.microsoft.com/office/powerpoint/2010/main" val="905488132"/>
       </p:ext>
     </p:extLst>
   </p:cSld>
@@ -27117,6 +27118,207 @@
               <a:rPr lang="en-US" smtClean="0"/>
               <a:pPr/>
               <a:t>12</a:t>
+            </a:fld>
+            <a:endParaRPr lang="en-US" dirty="0"/>
+          </a:p>
+        </p:txBody>
+      </p:sp>
+      <p:sp>
+        <p:nvSpPr>
+          <p:cNvPr id="7" name="Text Placeholder 6">
+            <a:extLst>
+              <a:ext uri="{FF2B5EF4-FFF2-40B4-BE49-F238E27FC236}">
+                <a16:creationId xmlns:a16="http://schemas.microsoft.com/office/drawing/2014/main" id="{B74126B4-1E6C-4FFF-9282-40E18A85A07F}"/>
+              </a:ext>
+            </a:extLst>
+          </p:cNvPr>
+          <p:cNvSpPr>
+            <a:spLocks noGrp="1"/>
+          </p:cNvSpPr>
+          <p:nvPr>
+            <p:ph type="body" sz="quarter" idx="1"/>
+          </p:nvPr>
+        </p:nvSpPr>
+        <p:spPr>
+          <a:xfrm>
+            <a:off x="386526" y="1681163"/>
+            <a:ext cx="11418949" cy="823912"/>
+          </a:xfrm>
+        </p:spPr>
+        <p:txBody>
+          <a:bodyPr>
+            <a:normAutofit/>
+          </a:bodyPr>
+          <a:lstStyle/>
+          <a:p>
+            <a:pPr algn="just"/>
+            <a:r>
+              <a:rPr lang="en-US" b="0" dirty="0"/>
+              <a:t>In Task 3, our work was to find the </a:t>
+            </a:r>
+            <a:r>
+              <a:rPr lang="en-US" i="1" dirty="0"/>
+              <a:t>top-k </a:t>
+            </a:r>
+            <a:r>
+              <a:rPr lang="en-US" dirty="0"/>
+              <a:t>dominating</a:t>
+            </a:r>
+            <a:r>
+              <a:rPr lang="en-US" b="0" dirty="0"/>
+              <a:t> points that belong to the </a:t>
+            </a:r>
+            <a:r>
+              <a:rPr lang="en-US" i="1" dirty="0"/>
+              <a:t>skyline</a:t>
+            </a:r>
+            <a:r>
+              <a:rPr lang="en-US" b="0" dirty="0"/>
+              <a:t> set.</a:t>
+            </a:r>
+          </a:p>
+        </p:txBody>
+      </p:sp>
+      <p:sp>
+        <p:nvSpPr>
+          <p:cNvPr id="8" name="Text Placeholder 7">
+            <a:extLst>
+              <a:ext uri="{FF2B5EF4-FFF2-40B4-BE49-F238E27FC236}">
+                <a16:creationId xmlns:a16="http://schemas.microsoft.com/office/drawing/2014/main" id="{47DC4E62-1A34-4F98-A451-214F1808519C}"/>
+              </a:ext>
+            </a:extLst>
+          </p:cNvPr>
+          <p:cNvSpPr>
+            <a:spLocks noGrp="1"/>
+          </p:cNvSpPr>
+          <p:nvPr>
+            <p:ph type="body" sz="quarter" idx="2"/>
+          </p:nvPr>
+        </p:nvSpPr>
+        <p:spPr>
+          <a:xfrm>
+            <a:off x="6892801" y="2567781"/>
+            <a:ext cx="5157787" cy="3684588"/>
+          </a:xfrm>
+        </p:spPr>
+        <p:txBody>
+          <a:bodyPr/>
+          <a:lstStyle/>
+          <a:p>
+            <a:r>
+              <a:rPr lang="en-US" dirty="0"/>
+              <a:t>Lorem ipsum dolor sit amet, consectetuer adipiscing elit. Maecenas porttitor congue massa. Fusce posuere, magna sed pulvinar ultricies, purus lectus malesuada libero, sit amet commodo magna eros quis urna. Nunc viverra imperdiet enim. Fusce est. Vivamus a tellus.</a:t>
+            </a:r>
+          </a:p>
+          <a:p>
+            <a:r>
+              <a:rPr lang="en-US" dirty="0"/>
+              <a:t>Pellentesque habitant morbi tristique senectus et netus et malesuada fames ac turpis egestas. Proin pharetra nonummy pede. Mauris et orci.</a:t>
+            </a:r>
+          </a:p>
+          <a:p>
+            <a:endParaRPr lang="en-US" dirty="0"/>
+          </a:p>
+          <a:p>
+            <a:endParaRPr lang="en-US" dirty="0"/>
+          </a:p>
+        </p:txBody>
+      </p:sp>
+    </p:spTree>
+    <p:extLst>
+      <p:ext uri="{BB962C8B-B14F-4D97-AF65-F5344CB8AC3E}">
+        <p14:creationId xmlns:p14="http://schemas.microsoft.com/office/powerpoint/2010/main" val="905488132"/>
+      </p:ext>
+    </p:extLst>
+  </p:cSld>
+  <p:clrMapOvr>
+    <a:masterClrMapping/>
+  </p:clrMapOvr>
+  <mc:AlternateContent xmlns:mc="http://schemas.openxmlformats.org/markup-compatibility/2006" xmlns:p14="http://schemas.microsoft.com/office/powerpoint/2010/main">
+    <mc:Choice Requires="p14">
+      <p:transition spd="med" p14:dur="700">
+        <p:fade/>
+      </p:transition>
+    </mc:Choice>
+    <mc:Fallback xmlns="">
+      <p:transition spd="med">
+        <p:fade/>
+      </p:transition>
+    </mc:Fallback>
+  </mc:AlternateContent>
+</p:sld>
+</file>
+
+<file path=ppt/slides/slide13.xml><?xml version="1.0" encoding="utf-8"?>
+<p:sld xmlns:a="http://schemas.openxmlformats.org/drawingml/2006/main" xmlns:r="http://schemas.openxmlformats.org/officeDocument/2006/relationships" xmlns:p="http://schemas.openxmlformats.org/presentationml/2006/main">
+  <p:cSld>
+    <p:spTree>
+      <p:nvGrpSpPr>
+        <p:cNvPr id="1" name=""/>
+        <p:cNvGrpSpPr/>
+        <p:nvPr/>
+      </p:nvGrpSpPr>
+      <p:grpSpPr>
+        <a:xfrm>
+          <a:off x="0" y="0"/>
+          <a:ext cx="0" cy="0"/>
+          <a:chOff x="0" y="0"/>
+          <a:chExt cx="0" cy="0"/>
+        </a:xfrm>
+      </p:grpSpPr>
+      <p:sp>
+        <p:nvSpPr>
+          <p:cNvPr id="4" name="Title 3">
+            <a:extLst>
+              <a:ext uri="{FF2B5EF4-FFF2-40B4-BE49-F238E27FC236}">
+                <a16:creationId xmlns:a16="http://schemas.microsoft.com/office/drawing/2014/main" id="{315E3981-F0D7-482C-A8E0-6A57700BECA7}"/>
+              </a:ext>
+            </a:extLst>
+          </p:cNvPr>
+          <p:cNvSpPr>
+            <a:spLocks noGrp="1"/>
+          </p:cNvSpPr>
+          <p:nvPr>
+            <p:ph type="title"/>
+          </p:nvPr>
+        </p:nvSpPr>
+        <p:spPr/>
+        <p:txBody>
+          <a:bodyPr/>
+          <a:lstStyle/>
+          <a:p>
+            <a:r>
+              <a:rPr lang="en-US" dirty="0"/>
+              <a:t>Task 3</a:t>
+            </a:r>
+          </a:p>
+        </p:txBody>
+      </p:sp>
+      <p:sp>
+        <p:nvSpPr>
+          <p:cNvPr id="2" name="Slide Number Placeholder 1">
+            <a:extLst>
+              <a:ext uri="{FF2B5EF4-FFF2-40B4-BE49-F238E27FC236}">
+                <a16:creationId xmlns:a16="http://schemas.microsoft.com/office/drawing/2014/main" id="{520FC4EE-F318-4344-9E3C-B950ADB63865}"/>
+              </a:ext>
+            </a:extLst>
+          </p:cNvPr>
+          <p:cNvSpPr>
+            <a:spLocks noGrp="1"/>
+          </p:cNvSpPr>
+          <p:nvPr>
+            <p:ph type="sldNum" sz="quarter" idx="12"/>
+          </p:nvPr>
+        </p:nvSpPr>
+        <p:spPr/>
+        <p:txBody>
+          <a:bodyPr/>
+          <a:lstStyle/>
+          <a:p>
+            <a:fld id="{C263D6C4-4840-40CC-AC84-17E24B3B7BDE}" type="slidenum">
+              <a:rPr lang="en-US" smtClean="0"/>
+              <a:pPr/>
+              <a:t>13</a:t>
             </a:fld>
             <a:endParaRPr lang="en-US" dirty="0"/>
           </a:p>
@@ -27280,7 +27482,109 @@
 </p:sld>
 </file>
 
-<file path=ppt/slides/slide13.xml><?xml version="1.0" encoding="utf-8"?>
+<file path=ppt/slides/slide14.xml><?xml version="1.0" encoding="utf-8"?>
+<p:sld xmlns:a="http://schemas.openxmlformats.org/drawingml/2006/main" xmlns:r="http://schemas.openxmlformats.org/officeDocument/2006/relationships" xmlns:p="http://schemas.openxmlformats.org/presentationml/2006/main">
+  <p:cSld>
+    <p:spTree>
+      <p:nvGrpSpPr>
+        <p:cNvPr id="1" name=""/>
+        <p:cNvGrpSpPr/>
+        <p:nvPr/>
+      </p:nvGrpSpPr>
+      <p:grpSpPr>
+        <a:xfrm>
+          <a:off x="0" y="0"/>
+          <a:ext cx="0" cy="0"/>
+          <a:chOff x="0" y="0"/>
+          <a:chExt cx="0" cy="0"/>
+        </a:xfrm>
+      </p:grpSpPr>
+      <p:sp>
+        <p:nvSpPr>
+          <p:cNvPr id="4" name="Title 3">
+            <a:extLst>
+              <a:ext uri="{FF2B5EF4-FFF2-40B4-BE49-F238E27FC236}">
+                <a16:creationId xmlns:a16="http://schemas.microsoft.com/office/drawing/2014/main" id="{BD179B88-D43C-4A31-9A52-3498E9430782}"/>
+              </a:ext>
+            </a:extLst>
+          </p:cNvPr>
+          <p:cNvSpPr>
+            <a:spLocks noGrp="1"/>
+          </p:cNvSpPr>
+          <p:nvPr>
+            <p:ph type="title"/>
+          </p:nvPr>
+        </p:nvSpPr>
+        <p:spPr/>
+        <p:txBody>
+          <a:bodyPr>
+            <a:normAutofit/>
+          </a:bodyPr>
+          <a:lstStyle/>
+          <a:p>
+            <a:r>
+              <a:rPr lang="en-US" dirty="0"/>
+              <a:t>Results</a:t>
+            </a:r>
+          </a:p>
+        </p:txBody>
+      </p:sp>
+      <p:sp>
+        <p:nvSpPr>
+          <p:cNvPr id="2" name="Slide Number Placeholder 1">
+            <a:extLst>
+              <a:ext uri="{FF2B5EF4-FFF2-40B4-BE49-F238E27FC236}">
+                <a16:creationId xmlns:a16="http://schemas.microsoft.com/office/drawing/2014/main" id="{8B065C75-272B-4BB5-BA23-D80E8654D621}"/>
+              </a:ext>
+            </a:extLst>
+          </p:cNvPr>
+          <p:cNvSpPr>
+            <a:spLocks noGrp="1"/>
+          </p:cNvSpPr>
+          <p:nvPr>
+            <p:ph type="sldNum" sz="quarter" idx="12"/>
+          </p:nvPr>
+        </p:nvSpPr>
+        <p:spPr/>
+        <p:txBody>
+          <a:bodyPr/>
+          <a:lstStyle/>
+          <a:p>
+            <a:fld id="{C263D6C4-4840-40CC-AC84-17E24B3B7BDE}" type="slidenum">
+              <a:rPr lang="en-US" smtClean="0"/>
+              <a:pPr/>
+              <a:t>14</a:t>
+            </a:fld>
+            <a:endParaRPr lang="en-US" dirty="0"/>
+          </a:p>
+        </p:txBody>
+      </p:sp>
+    </p:spTree>
+    <p:extLst>
+      <p:ext uri="{BB962C8B-B14F-4D97-AF65-F5344CB8AC3E}">
+        <p14:creationId xmlns:p14="http://schemas.microsoft.com/office/powerpoint/2010/main" val="981738564"/>
+      </p:ext>
+    </p:extLst>
+  </p:cSld>
+  <p:clrMapOvr>
+    <a:masterClrMapping/>
+  </p:clrMapOvr>
+  <mc:AlternateContent xmlns:mc="http://schemas.openxmlformats.org/markup-compatibility/2006" xmlns:p14="http://schemas.microsoft.com/office/powerpoint/2010/main">
+    <mc:Choice Requires="p14">
+      <p:transition spd="med" p14:dur="700">
+        <p:fade/>
+      </p:transition>
+    </mc:Choice>
+    <mc:Fallback xmlns="">
+      <p:transition spd="med">
+        <p:fade/>
+      </p:transition>
+    </mc:Fallback>
+  </mc:AlternateContent>
+</p:sld>
+</file>
+
+<file path=ppt/slides/slide15.xml><?xml version="1.0" encoding="utf-8"?>
 <p:sld xmlns:a="http://schemas.openxmlformats.org/drawingml/2006/main" xmlns:r="http://schemas.openxmlformats.org/officeDocument/2006/relationships" xmlns:p="http://schemas.openxmlformats.org/presentationml/2006/main">
   <p:cSld>
     <p:spTree>
@@ -27664,7 +27968,7 @@
             <a:fld id="{C263D6C4-4840-40CC-AC84-17E24B3B7BDE}" type="slidenum">
               <a:rPr lang="en-US" smtClean="0"/>
               <a:pPr/>
-              <a:t>13</a:t>
+              <a:t>15</a:t>
             </a:fld>
             <a:endParaRPr lang="en-US" dirty="0"/>
           </a:p>
@@ -27695,7 +27999,7 @@
 </p:sld>
 </file>
 
-<file path=ppt/slides/slide14.xml><?xml version="1.0" encoding="utf-8"?>
+<file path=ppt/slides/slide16.xml><?xml version="1.0" encoding="utf-8"?>
 <p:sld xmlns:a="http://schemas.openxmlformats.org/drawingml/2006/main" xmlns:r="http://schemas.openxmlformats.org/officeDocument/2006/relationships" xmlns:p="http://schemas.openxmlformats.org/presentationml/2006/main">
   <p:cSld>
     <p:spTree>
@@ -27879,7 +28183,7 @@
             <a:fld id="{C263D6C4-4840-40CC-AC84-17E24B3B7BDE}" type="slidenum">
               <a:rPr lang="en-US" smtClean="0"/>
               <a:pPr/>
-              <a:t>14</a:t>
+              <a:t>16</a:t>
             </a:fld>
             <a:endParaRPr lang="en-US" dirty="0"/>
           </a:p>
@@ -27910,7 +28214,7 @@
 </p:sld>
 </file>
 
-<file path=ppt/slides/slide15.xml><?xml version="1.0" encoding="utf-8"?>
+<file path=ppt/slides/slide17.xml><?xml version="1.0" encoding="utf-8"?>
 <p:sld xmlns:a="http://schemas.openxmlformats.org/drawingml/2006/main" xmlns:r="http://schemas.openxmlformats.org/officeDocument/2006/relationships" xmlns:p="http://schemas.openxmlformats.org/presentationml/2006/main">
   <p:cSld>
     <p:spTree>
@@ -28047,7 +28351,7 @@
             <a:fld id="{C263D6C4-4840-40CC-AC84-17E24B3B7BDE}" type="slidenum">
               <a:rPr lang="en-US" smtClean="0"/>
               <a:pPr/>
-              <a:t>15</a:t>
+              <a:t>17</a:t>
             </a:fld>
             <a:endParaRPr lang="en-US" dirty="0"/>
           </a:p>
@@ -28078,7 +28382,7 @@
 </p:sld>
 </file>
 
-<file path=ppt/slides/slide16.xml><?xml version="1.0" encoding="utf-8"?>
+<file path=ppt/slides/slide18.xml><?xml version="1.0" encoding="utf-8"?>
 <p:sld xmlns:a="http://schemas.openxmlformats.org/drawingml/2006/main" xmlns:r="http://schemas.openxmlformats.org/officeDocument/2006/relationships" xmlns:p="http://schemas.openxmlformats.org/presentationml/2006/main">
   <p:cSld>
     <p:spTree>
@@ -29968,7 +30272,7 @@
             <a:fld id="{C263D6C4-4840-40CC-AC84-17E24B3B7BDE}" type="slidenum">
               <a:rPr lang="en-US" smtClean="0"/>
               <a:pPr/>
-              <a:t>16</a:t>
+              <a:t>18</a:t>
             </a:fld>
             <a:endParaRPr lang="en-US" dirty="0"/>
           </a:p>
@@ -29999,7 +30303,7 @@
 </p:sld>
 </file>
 
-<file path=ppt/slides/slide17.xml><?xml version="1.0" encoding="utf-8"?>
+<file path=ppt/slides/slide19.xml><?xml version="1.0" encoding="utf-8"?>
 <p:sld xmlns:a="http://schemas.openxmlformats.org/drawingml/2006/main" xmlns:r="http://schemas.openxmlformats.org/officeDocument/2006/relationships" xmlns:p="http://schemas.openxmlformats.org/presentationml/2006/main">
   <p:cSld>
     <p:spTree>
@@ -30057,7 +30361,7 @@
           <p:nvPr>
             <p:extLst>
               <p:ext uri="{D42A27DB-BD31-4B8C-83A1-F6EECF244321}">
-                <p14:modId xmlns:p14="http://schemas.microsoft.com/office/powerpoint/2010/main" val="2366121754"/>
+                <p14:modId xmlns:p14="http://schemas.microsoft.com/office/powerpoint/2010/main" val="4049174286"/>
               </p:ext>
             </p:extLst>
           </p:nvPr>
@@ -30096,7 +30400,7 @@
             <a:fld id="{C263D6C4-4840-40CC-AC84-17E24B3B7BDE}" type="slidenum">
               <a:rPr lang="en-US" smtClean="0"/>
               <a:pPr/>
-              <a:t>17</a:t>
+              <a:t>19</a:t>
             </a:fld>
             <a:endParaRPr lang="en-US" dirty="0"/>
           </a:p>
@@ -30124,68 +30428,6 @@
       </p:transition>
     </mc:Fallback>
   </mc:AlternateContent>
-</p:sld>
-</file>
-
-<file path=ppt/slides/slide18.xml><?xml version="1.0" encoding="utf-8"?>
-<p:sld xmlns:a="http://schemas.openxmlformats.org/drawingml/2006/main" xmlns:r="http://schemas.openxmlformats.org/officeDocument/2006/relationships" xmlns:p="http://schemas.openxmlformats.org/presentationml/2006/main">
-  <p:cSld>
-    <p:spTree>
-      <p:nvGrpSpPr>
-        <p:cNvPr id="1" name=""/>
-        <p:cNvGrpSpPr/>
-        <p:nvPr/>
-      </p:nvGrpSpPr>
-      <p:grpSpPr>
-        <a:xfrm>
-          <a:off x="0" y="0"/>
-          <a:ext cx="0" cy="0"/>
-          <a:chOff x="0" y="0"/>
-          <a:chExt cx="0" cy="0"/>
-        </a:xfrm>
-      </p:grpSpPr>
-      <p:sp>
-        <p:nvSpPr>
-          <p:cNvPr id="2" name="Title 1">
-            <a:extLst>
-              <a:ext uri="{FF2B5EF4-FFF2-40B4-BE49-F238E27FC236}">
-                <a16:creationId xmlns:a16="http://schemas.microsoft.com/office/drawing/2014/main" id="{632BE5BF-9922-45FB-8F3F-4446D40A051B}"/>
-              </a:ext>
-            </a:extLst>
-          </p:cNvPr>
-          <p:cNvSpPr>
-            <a:spLocks noGrp="1"/>
-          </p:cNvSpPr>
-          <p:nvPr>
-            <p:ph type="ctrTitle"/>
-          </p:nvPr>
-        </p:nvSpPr>
-        <p:spPr/>
-        <p:txBody>
-          <a:bodyPr/>
-          <a:lstStyle/>
-          <a:p>
-            <a:r>
-              <a:rPr lang="en-US" dirty="0"/>
-              <a:t>Thank You!</a:t>
-            </a:r>
-            <a:endParaRPr lang="en-GB" dirty="0"/>
-          </a:p>
-        </p:txBody>
-      </p:sp>
-    </p:spTree>
-    <p:extLst>
-      <p:ext uri="{BB962C8B-B14F-4D97-AF65-F5344CB8AC3E}">
-        <p14:creationId xmlns:p14="http://schemas.microsoft.com/office/powerpoint/2010/main" val="429771863"/>
-      </p:ext>
-    </p:extLst>
-  </p:cSld>
-  <p:clrMapOvr>
-    <a:masterClrMapping/>
-  </p:clrMapOvr>
-  <p:transition spd="slow">
-    <p:wipe/>
-  </p:transition>
 </p:sld>
 </file>
 
@@ -30257,7 +30499,7 @@
         </p:nvSpPr>
         <p:spPr>
           <a:xfrm>
-            <a:off x="444500" y="1833203"/>
+            <a:off x="533400" y="3255434"/>
             <a:ext cx="6718300" cy="4093243"/>
           </a:xfrm>
         </p:spPr>
@@ -30335,6 +30577,67 @@
           </a:p>
         </p:txBody>
       </p:sp>
+      <p:sp>
+        <p:nvSpPr>
+          <p:cNvPr id="3" name="TextBox 2">
+            <a:extLst>
+              <a:ext uri="{FF2B5EF4-FFF2-40B4-BE49-F238E27FC236}">
+                <a16:creationId xmlns:a16="http://schemas.microsoft.com/office/drawing/2014/main" id="{829FF87A-705E-B625-0420-C66C77A3A161}"/>
+              </a:ext>
+            </a:extLst>
+          </p:cNvPr>
+          <p:cNvSpPr txBox="1"/>
+          <p:nvPr/>
+        </p:nvSpPr>
+        <p:spPr>
+          <a:xfrm>
+            <a:off x="444500" y="1439332"/>
+            <a:ext cx="7222067" cy="1754326"/>
+          </a:xfrm>
+          <a:prstGeom prst="rect">
+            <a:avLst/>
+          </a:prstGeom>
+          <a:noFill/>
+        </p:spPr>
+        <p:txBody>
+          <a:bodyPr wrap="square" rtlCol="0">
+            <a:spAutoFit/>
+          </a:bodyPr>
+          <a:lstStyle/>
+          <a:p>
+            <a:r>
+              <a:rPr lang="en-US" dirty="0">
+                <a:solidFill>
+                  <a:schemeClr val="bg1"/>
+                </a:solidFill>
+              </a:rPr>
+              <a:t>In this project, we will work with multi-dimensional data. Given a potentially large set of d-dimensional points, where each point is represented as a d-dimensional vector, we need to detect interesting points. The project is based on the concept of dominance.</a:t>
+            </a:r>
+          </a:p>
+          <a:p>
+            <a:endParaRPr lang="en-US" dirty="0">
+              <a:solidFill>
+                <a:schemeClr val="bg1"/>
+              </a:solidFill>
+            </a:endParaRPr>
+          </a:p>
+          <a:p>
+            <a:r>
+              <a:rPr lang="en-US" dirty="0">
+                <a:solidFill>
+                  <a:schemeClr val="bg1"/>
+                </a:solidFill>
+              </a:rPr>
+              <a:t>The tasks are:</a:t>
+            </a:r>
+            <a:endParaRPr lang="en-150" dirty="0">
+              <a:solidFill>
+                <a:schemeClr val="bg1"/>
+              </a:solidFill>
+            </a:endParaRPr>
+          </a:p>
+        </p:txBody>
+      </p:sp>
     </p:spTree>
     <p:extLst>
       <p:ext uri="{BB962C8B-B14F-4D97-AF65-F5344CB8AC3E}">
@@ -30360,7 +30663,482 @@
 </p:sld>
 </file>
 
+<file path=ppt/slides/slide20.xml><?xml version="1.0" encoding="utf-8"?>
+<p:sld xmlns:a="http://schemas.openxmlformats.org/drawingml/2006/main" xmlns:r="http://schemas.openxmlformats.org/officeDocument/2006/relationships" xmlns:p="http://schemas.openxmlformats.org/presentationml/2006/main">
+  <p:cSld>
+    <p:spTree>
+      <p:nvGrpSpPr>
+        <p:cNvPr id="1" name=""/>
+        <p:cNvGrpSpPr/>
+        <p:nvPr/>
+      </p:nvGrpSpPr>
+      <p:grpSpPr>
+        <a:xfrm>
+          <a:off x="0" y="0"/>
+          <a:ext cx="0" cy="0"/>
+          <a:chOff x="0" y="0"/>
+          <a:chExt cx="0" cy="0"/>
+        </a:xfrm>
+      </p:grpSpPr>
+      <p:sp>
+        <p:nvSpPr>
+          <p:cNvPr id="2" name="Title 1">
+            <a:extLst>
+              <a:ext uri="{FF2B5EF4-FFF2-40B4-BE49-F238E27FC236}">
+                <a16:creationId xmlns:a16="http://schemas.microsoft.com/office/drawing/2014/main" id="{632BE5BF-9922-45FB-8F3F-4446D40A051B}"/>
+              </a:ext>
+            </a:extLst>
+          </p:cNvPr>
+          <p:cNvSpPr>
+            <a:spLocks noGrp="1"/>
+          </p:cNvSpPr>
+          <p:nvPr>
+            <p:ph type="ctrTitle"/>
+          </p:nvPr>
+        </p:nvSpPr>
+        <p:spPr>
+          <a:xfrm>
+            <a:off x="5217242" y="2807208"/>
+            <a:ext cx="3930992" cy="1243584"/>
+          </a:xfrm>
+        </p:spPr>
+        <p:txBody>
+          <a:bodyPr/>
+          <a:lstStyle/>
+          <a:p>
+            <a:r>
+              <a:rPr lang="en-US" dirty="0"/>
+              <a:t>Thank You!</a:t>
+            </a:r>
+            <a:endParaRPr lang="en-GB" dirty="0"/>
+          </a:p>
+        </p:txBody>
+      </p:sp>
+      <p:sp>
+        <p:nvSpPr>
+          <p:cNvPr id="3" name="Title 1">
+            <a:extLst>
+              <a:ext uri="{FF2B5EF4-FFF2-40B4-BE49-F238E27FC236}">
+                <a16:creationId xmlns:a16="http://schemas.microsoft.com/office/drawing/2014/main" id="{2EDE1A7B-49FA-CEC9-1E9A-742A122792CC}"/>
+              </a:ext>
+            </a:extLst>
+          </p:cNvPr>
+          <p:cNvSpPr txBox="1">
+            <a:spLocks/>
+          </p:cNvSpPr>
+          <p:nvPr/>
+        </p:nvSpPr>
+        <p:spPr>
+          <a:xfrm>
+            <a:off x="8845209" y="4737607"/>
+            <a:ext cx="3126658" cy="1243584"/>
+          </a:xfrm>
+          <a:prstGeom prst="rect">
+            <a:avLst/>
+          </a:prstGeom>
+        </p:spPr>
+        <p:txBody>
+          <a:bodyPr vert="horz" lIns="91440" tIns="45720" rIns="91440" bIns="45720" rtlCol="0" anchor="ctr">
+            <a:noAutofit/>
+          </a:bodyPr>
+          <a:lstStyle>
+            <a:lvl1pPr algn="l" defTabSz="914400" rtl="0" eaLnBrk="1" latinLnBrk="0" hangingPunct="1">
+              <a:lnSpc>
+                <a:spcPct val="90000"/>
+              </a:lnSpc>
+              <a:spcBef>
+                <a:spcPct val="0"/>
+              </a:spcBef>
+              <a:buNone/>
+              <a:defRPr lang="en-GB" sz="5400" b="1" kern="1200" dirty="0">
+                <a:solidFill>
+                  <a:schemeClr val="bg1"/>
+                </a:solidFill>
+                <a:latin typeface="+mj-lt"/>
+                <a:ea typeface="Tahoma" panose="020B0604030504040204" pitchFamily="34" charset="0"/>
+                <a:cs typeface="Tahoma" panose="020B0604030504040204" pitchFamily="34" charset="0"/>
+              </a:defRPr>
+            </a:lvl1pPr>
+          </a:lstStyle>
+          <a:p>
+            <a:r>
+              <a:rPr lang="en-US" sz="2800" dirty="0"/>
+              <a:t>Any Questions?</a:t>
+            </a:r>
+          </a:p>
+        </p:txBody>
+      </p:sp>
+    </p:spTree>
+    <p:extLst>
+      <p:ext uri="{BB962C8B-B14F-4D97-AF65-F5344CB8AC3E}">
+        <p14:creationId xmlns:p14="http://schemas.microsoft.com/office/powerpoint/2010/main" val="429771863"/>
+      </p:ext>
+    </p:extLst>
+  </p:cSld>
+  <p:clrMapOvr>
+    <a:masterClrMapping/>
+  </p:clrMapOvr>
+  <p:transition spd="slow">
+    <p:wipe/>
+  </p:transition>
+</p:sld>
+</file>
+
 <file path=ppt/slides/slide3.xml><?xml version="1.0" encoding="utf-8"?>
+<p:sld xmlns:a="http://schemas.openxmlformats.org/drawingml/2006/main" xmlns:r="http://schemas.openxmlformats.org/officeDocument/2006/relationships" xmlns:p="http://schemas.openxmlformats.org/presentationml/2006/main">
+  <p:cSld>
+    <p:spTree>
+      <p:nvGrpSpPr>
+        <p:cNvPr id="1" name=""/>
+        <p:cNvGrpSpPr/>
+        <p:nvPr/>
+      </p:nvGrpSpPr>
+      <p:grpSpPr>
+        <a:xfrm>
+          <a:off x="0" y="0"/>
+          <a:ext cx="0" cy="0"/>
+          <a:chOff x="0" y="0"/>
+          <a:chExt cx="0" cy="0"/>
+        </a:xfrm>
+      </p:grpSpPr>
+      <p:sp>
+        <p:nvSpPr>
+          <p:cNvPr id="7" name="Title 6">
+            <a:extLst>
+              <a:ext uri="{FF2B5EF4-FFF2-40B4-BE49-F238E27FC236}">
+                <a16:creationId xmlns:a16="http://schemas.microsoft.com/office/drawing/2014/main" id="{7875C19A-1AAE-476A-A316-A2CF92D763D3}"/>
+              </a:ext>
+            </a:extLst>
+          </p:cNvPr>
+          <p:cNvSpPr>
+            <a:spLocks noGrp="1"/>
+          </p:cNvSpPr>
+          <p:nvPr>
+            <p:ph type="title"/>
+          </p:nvPr>
+        </p:nvSpPr>
+        <p:spPr>
+          <a:xfrm>
+            <a:off x="444500" y="542925"/>
+            <a:ext cx="11214100" cy="590931"/>
+          </a:xfrm>
+        </p:spPr>
+        <p:txBody>
+          <a:bodyPr/>
+          <a:lstStyle/>
+          <a:p>
+            <a:r>
+              <a:rPr lang="en-US" sz="3600" dirty="0"/>
+              <a:t>Datasets</a:t>
+            </a:r>
+          </a:p>
+        </p:txBody>
+      </p:sp>
+      <p:sp>
+        <p:nvSpPr>
+          <p:cNvPr id="2" name="Slide Number Placeholder 1">
+            <a:extLst>
+              <a:ext uri="{FF2B5EF4-FFF2-40B4-BE49-F238E27FC236}">
+                <a16:creationId xmlns:a16="http://schemas.microsoft.com/office/drawing/2014/main" id="{BE9800F6-D571-48C4-8466-12AA1ADB6599}"/>
+              </a:ext>
+            </a:extLst>
+          </p:cNvPr>
+          <p:cNvSpPr>
+            <a:spLocks noGrp="1"/>
+          </p:cNvSpPr>
+          <p:nvPr>
+            <p:ph type="sldNum" sz="quarter" idx="12"/>
+          </p:nvPr>
+        </p:nvSpPr>
+        <p:spPr/>
+        <p:txBody>
+          <a:bodyPr/>
+          <a:lstStyle/>
+          <a:p>
+            <a:fld id="{C263D6C4-4840-40CC-AC84-17E24B3B7BDE}" type="slidenum">
+              <a:rPr lang="en-US" smtClean="0"/>
+              <a:pPr/>
+              <a:t>3</a:t>
+            </a:fld>
+            <a:endParaRPr lang="en-US" dirty="0"/>
+          </a:p>
+        </p:txBody>
+      </p:sp>
+      <p:pic>
+        <p:nvPicPr>
+          <p:cNvPr id="6" name="Picture 5">
+            <a:extLst>
+              <a:ext uri="{FF2B5EF4-FFF2-40B4-BE49-F238E27FC236}">
+                <a16:creationId xmlns:a16="http://schemas.microsoft.com/office/drawing/2014/main" id="{D03F4D88-171D-8451-EA2C-7012F322C764}"/>
+              </a:ext>
+            </a:extLst>
+          </p:cNvPr>
+          <p:cNvPicPr>
+            <a:picLocks noChangeAspect="1"/>
+          </p:cNvPicPr>
+          <p:nvPr/>
+        </p:nvPicPr>
+        <p:blipFill>
+          <a:blip r:embed="rId2"/>
+          <a:stretch>
+            <a:fillRect/>
+          </a:stretch>
+        </p:blipFill>
+        <p:spPr>
+          <a:xfrm>
+            <a:off x="518311" y="1352321"/>
+            <a:ext cx="4932377" cy="4153358"/>
+          </a:xfrm>
+          <a:prstGeom prst="rect">
+            <a:avLst/>
+          </a:prstGeom>
+        </p:spPr>
+      </p:pic>
+      <p:sp>
+        <p:nvSpPr>
+          <p:cNvPr id="8" name="Text Placeholder 7">
+            <a:extLst>
+              <a:ext uri="{FF2B5EF4-FFF2-40B4-BE49-F238E27FC236}">
+                <a16:creationId xmlns:a16="http://schemas.microsoft.com/office/drawing/2014/main" id="{7F2AD71B-A36B-CA89-0174-5E3FE3096BEF}"/>
+              </a:ext>
+            </a:extLst>
+          </p:cNvPr>
+          <p:cNvSpPr txBox="1">
+            <a:spLocks/>
+          </p:cNvSpPr>
+          <p:nvPr/>
+        </p:nvSpPr>
+        <p:spPr>
+          <a:xfrm>
+            <a:off x="5679019" y="3223912"/>
+            <a:ext cx="4650316" cy="1631721"/>
+          </a:xfrm>
+          <a:prstGeom prst="rect">
+            <a:avLst/>
+          </a:prstGeom>
+        </p:spPr>
+        <p:txBody>
+          <a:bodyPr/>
+          <a:lstStyle>
+            <a:lvl1pPr marL="228600" indent="-228600" algn="l" defTabSz="914400" rtl="0" eaLnBrk="1" latinLnBrk="0" hangingPunct="1">
+              <a:lnSpc>
+                <a:spcPct val="90000"/>
+              </a:lnSpc>
+              <a:spcBef>
+                <a:spcPts val="1000"/>
+              </a:spcBef>
+              <a:buClr>
+                <a:schemeClr val="accent2"/>
+              </a:buClr>
+              <a:buFont typeface="Arial" panose="020B0604020202020204" pitchFamily="34" charset="0"/>
+              <a:buChar char="•"/>
+              <a:defRPr sz="2800" kern="1200">
+                <a:solidFill>
+                  <a:schemeClr val="tx1"/>
+                </a:solidFill>
+                <a:latin typeface="+mn-lt"/>
+                <a:ea typeface="+mn-ea"/>
+                <a:cs typeface="+mn-cs"/>
+              </a:defRPr>
+            </a:lvl1pPr>
+            <a:lvl2pPr marL="685800" indent="-228600" algn="l" defTabSz="914400" rtl="0" eaLnBrk="1" latinLnBrk="0" hangingPunct="1">
+              <a:lnSpc>
+                <a:spcPct val="90000"/>
+              </a:lnSpc>
+              <a:spcBef>
+                <a:spcPts val="500"/>
+              </a:spcBef>
+              <a:buClr>
+                <a:schemeClr val="accent2"/>
+              </a:buClr>
+              <a:buFont typeface="Arial" panose="020B0604020202020204" pitchFamily="34" charset="0"/>
+              <a:buChar char="•"/>
+              <a:defRPr sz="2400" kern="1200">
+                <a:solidFill>
+                  <a:schemeClr val="tx1"/>
+                </a:solidFill>
+                <a:latin typeface="+mn-lt"/>
+                <a:ea typeface="+mn-ea"/>
+                <a:cs typeface="+mn-cs"/>
+              </a:defRPr>
+            </a:lvl2pPr>
+            <a:lvl3pPr marL="1143000" indent="-228600" algn="l" defTabSz="914400" rtl="0" eaLnBrk="1" latinLnBrk="0" hangingPunct="1">
+              <a:lnSpc>
+                <a:spcPct val="90000"/>
+              </a:lnSpc>
+              <a:spcBef>
+                <a:spcPts val="500"/>
+              </a:spcBef>
+              <a:buClr>
+                <a:schemeClr val="accent2"/>
+              </a:buClr>
+              <a:buFont typeface="Arial" panose="020B0604020202020204" pitchFamily="34" charset="0"/>
+              <a:buChar char="•"/>
+              <a:defRPr sz="2000" kern="1200">
+                <a:solidFill>
+                  <a:schemeClr val="tx1"/>
+                </a:solidFill>
+                <a:latin typeface="+mn-lt"/>
+                <a:ea typeface="+mn-ea"/>
+                <a:cs typeface="+mn-cs"/>
+              </a:defRPr>
+            </a:lvl3pPr>
+            <a:lvl4pPr marL="1600200" indent="-228600" algn="l" defTabSz="914400" rtl="0" eaLnBrk="1" latinLnBrk="0" hangingPunct="1">
+              <a:lnSpc>
+                <a:spcPct val="90000"/>
+              </a:lnSpc>
+              <a:spcBef>
+                <a:spcPts val="500"/>
+              </a:spcBef>
+              <a:buClr>
+                <a:schemeClr val="accent2"/>
+              </a:buClr>
+              <a:buFont typeface="Arial" panose="020B0604020202020204" pitchFamily="34" charset="0"/>
+              <a:buChar char="•"/>
+              <a:defRPr sz="1800" kern="1200">
+                <a:solidFill>
+                  <a:schemeClr val="tx1"/>
+                </a:solidFill>
+                <a:latin typeface="+mn-lt"/>
+                <a:ea typeface="+mn-ea"/>
+                <a:cs typeface="+mn-cs"/>
+              </a:defRPr>
+            </a:lvl4pPr>
+            <a:lvl5pPr marL="2057400" indent="-228600" algn="l" defTabSz="914400" rtl="0" eaLnBrk="1" latinLnBrk="0" hangingPunct="1">
+              <a:lnSpc>
+                <a:spcPct val="90000"/>
+              </a:lnSpc>
+              <a:spcBef>
+                <a:spcPts val="500"/>
+              </a:spcBef>
+              <a:buClr>
+                <a:schemeClr val="accent2"/>
+              </a:buClr>
+              <a:buFont typeface="Arial" panose="020B0604020202020204" pitchFamily="34" charset="0"/>
+              <a:buChar char="•"/>
+              <a:defRPr sz="1800" kern="1200">
+                <a:solidFill>
+                  <a:schemeClr val="tx1"/>
+                </a:solidFill>
+                <a:latin typeface="+mn-lt"/>
+                <a:ea typeface="+mn-ea"/>
+                <a:cs typeface="+mn-cs"/>
+              </a:defRPr>
+            </a:lvl5pPr>
+            <a:lvl6pPr marL="2514600" indent="-228600" algn="l" defTabSz="914400" rtl="0" eaLnBrk="1" latinLnBrk="0" hangingPunct="1">
+              <a:lnSpc>
+                <a:spcPct val="90000"/>
+              </a:lnSpc>
+              <a:spcBef>
+                <a:spcPts val="500"/>
+              </a:spcBef>
+              <a:buFont typeface="Arial" panose="020B0604020202020204" pitchFamily="34" charset="0"/>
+              <a:buChar char="•"/>
+              <a:defRPr sz="1800" kern="1200">
+                <a:solidFill>
+                  <a:schemeClr val="tx1"/>
+                </a:solidFill>
+                <a:latin typeface="+mn-lt"/>
+                <a:ea typeface="+mn-ea"/>
+                <a:cs typeface="+mn-cs"/>
+              </a:defRPr>
+            </a:lvl6pPr>
+            <a:lvl7pPr marL="2971800" indent="-228600" algn="l" defTabSz="914400" rtl="0" eaLnBrk="1" latinLnBrk="0" hangingPunct="1">
+              <a:lnSpc>
+                <a:spcPct val="90000"/>
+              </a:lnSpc>
+              <a:spcBef>
+                <a:spcPts val="500"/>
+              </a:spcBef>
+              <a:buFont typeface="Arial" panose="020B0604020202020204" pitchFamily="34" charset="0"/>
+              <a:buChar char="•"/>
+              <a:defRPr sz="1800" kern="1200">
+                <a:solidFill>
+                  <a:schemeClr val="tx1"/>
+                </a:solidFill>
+                <a:latin typeface="+mn-lt"/>
+                <a:ea typeface="+mn-ea"/>
+                <a:cs typeface="+mn-cs"/>
+              </a:defRPr>
+            </a:lvl7pPr>
+            <a:lvl8pPr marL="3429000" indent="-228600" algn="l" defTabSz="914400" rtl="0" eaLnBrk="1" latinLnBrk="0" hangingPunct="1">
+              <a:lnSpc>
+                <a:spcPct val="90000"/>
+              </a:lnSpc>
+              <a:spcBef>
+                <a:spcPts val="500"/>
+              </a:spcBef>
+              <a:buFont typeface="Arial" panose="020B0604020202020204" pitchFamily="34" charset="0"/>
+              <a:buChar char="•"/>
+              <a:defRPr sz="1800" kern="1200">
+                <a:solidFill>
+                  <a:schemeClr val="tx1"/>
+                </a:solidFill>
+                <a:latin typeface="+mn-lt"/>
+                <a:ea typeface="+mn-ea"/>
+                <a:cs typeface="+mn-cs"/>
+              </a:defRPr>
+            </a:lvl8pPr>
+            <a:lvl9pPr marL="3886200" indent="-228600" algn="l" defTabSz="914400" rtl="0" eaLnBrk="1" latinLnBrk="0" hangingPunct="1">
+              <a:lnSpc>
+                <a:spcPct val="90000"/>
+              </a:lnSpc>
+              <a:spcBef>
+                <a:spcPts val="500"/>
+              </a:spcBef>
+              <a:buFont typeface="Arial" panose="020B0604020202020204" pitchFamily="34" charset="0"/>
+              <a:buChar char="•"/>
+              <a:defRPr sz="1800" kern="1200">
+                <a:solidFill>
+                  <a:schemeClr val="tx1"/>
+                </a:solidFill>
+                <a:latin typeface="+mn-lt"/>
+                <a:ea typeface="+mn-ea"/>
+                <a:cs typeface="+mn-cs"/>
+              </a:defRPr>
+            </a:lvl9pPr>
+          </a:lstStyle>
+          <a:p>
+            <a:pPr marL="0" indent="0">
+              <a:buNone/>
+            </a:pPr>
+            <a:r>
+              <a:rPr lang="en-US" sz="1800" dirty="0">
+                <a:solidFill>
+                  <a:schemeClr val="bg1"/>
+                </a:solidFill>
+              </a:rPr>
+              <a:t>We produced 4 datasets for 4 different distributions (correlated, uniform, normal, anti-correlated) for d dimensions. The left figure shows examples for each distribution for 2-d data.</a:t>
+            </a:r>
+          </a:p>
+        </p:txBody>
+      </p:sp>
+    </p:spTree>
+    <p:extLst>
+      <p:ext uri="{BB962C8B-B14F-4D97-AF65-F5344CB8AC3E}">
+        <p14:creationId xmlns:p14="http://schemas.microsoft.com/office/powerpoint/2010/main" val="2646602192"/>
+      </p:ext>
+    </p:extLst>
+  </p:cSld>
+  <p:clrMapOvr>
+    <a:masterClrMapping/>
+  </p:clrMapOvr>
+  <mc:AlternateContent xmlns:mc="http://schemas.openxmlformats.org/markup-compatibility/2006" xmlns:p14="http://schemas.microsoft.com/office/powerpoint/2010/main">
+    <mc:Choice Requires="p14">
+      <p:transition spd="med" p14:dur="700">
+        <p:fade/>
+      </p:transition>
+    </mc:Choice>
+    <mc:Fallback xmlns="">
+      <p:transition spd="med">
+        <p:fade/>
+      </p:transition>
+    </mc:Fallback>
+  </mc:AlternateContent>
+</p:sld>
+</file>
+
+<file path=ppt/slides/slide4.xml><?xml version="1.0" encoding="utf-8"?>
 <p:sld xmlns:a="http://schemas.openxmlformats.org/drawingml/2006/main" xmlns:r="http://schemas.openxmlformats.org/officeDocument/2006/relationships" xmlns:p="http://schemas.openxmlformats.org/presentationml/2006/main">
   <p:cSld>
     <p:spTree>
@@ -30429,7 +31207,7 @@
             <a:fld id="{C263D6C4-4840-40CC-AC84-17E24B3B7BDE}" type="slidenum">
               <a:rPr lang="en-US" smtClean="0"/>
               <a:pPr/>
-              <a:t>3</a:t>
+              <a:t>4</a:t>
             </a:fld>
             <a:endParaRPr lang="en-US" dirty="0"/>
           </a:p>
@@ -30460,7 +31238,7 @@
 </p:sld>
 </file>
 
-<file path=ppt/slides/slide4.xml><?xml version="1.0" encoding="utf-8"?>
+<file path=ppt/slides/slide5.xml><?xml version="1.0" encoding="utf-8"?>
 <p:sld xmlns:a="http://schemas.openxmlformats.org/drawingml/2006/main" xmlns:r="http://schemas.openxmlformats.org/officeDocument/2006/relationships" xmlns:p="http://schemas.openxmlformats.org/presentationml/2006/main">
   <p:cSld>
     <p:spTree>
@@ -30529,7 +31307,7 @@
             <a:fld id="{C263D6C4-4840-40CC-AC84-17E24B3B7BDE}" type="slidenum">
               <a:rPr lang="en-US" smtClean="0"/>
               <a:pPr/>
-              <a:t>4</a:t>
+              <a:t>5</a:t>
             </a:fld>
             <a:endParaRPr lang="en-US" dirty="0"/>
           </a:p>
@@ -30676,8 +31454,8 @@
         </p:nvSpPr>
         <p:spPr>
           <a:xfrm>
-            <a:off x="6051550" y="6189663"/>
-            <a:ext cx="5058888" cy="430887"/>
+            <a:off x="5587999" y="6218535"/>
+            <a:ext cx="5393266" cy="461665"/>
           </a:xfrm>
           <a:prstGeom prst="rect">
             <a:avLst/>
@@ -30691,7 +31469,7 @@
           <a:lstStyle/>
           <a:p>
             <a:r>
-              <a:rPr lang="el-GR" sz="1100" dirty="0">
+              <a:rPr lang="el-GR" sz="1200" dirty="0">
                 <a:solidFill>
                   <a:schemeClr val="bg1"/>
                 </a:solidFill>
@@ -30699,7 +31477,7 @@
               <a:t>*</a:t>
             </a:r>
             <a:r>
-              <a:rPr lang="en-US" sz="1100" dirty="0">
+              <a:rPr lang="en-US" sz="1200" dirty="0">
                 <a:solidFill>
                   <a:schemeClr val="bg1"/>
                 </a:solidFill>
@@ -30707,7 +31485,7 @@
               <a:t>One point </a:t>
             </a:r>
             <a:r>
-              <a:rPr lang="en-US" sz="1100" i="1" dirty="0">
+              <a:rPr lang="en-US" sz="1200" i="1" dirty="0">
                 <a:solidFill>
                   <a:schemeClr val="bg1"/>
                 </a:solidFill>
@@ -30715,7 +31493,7 @@
               <a:t>p </a:t>
             </a:r>
             <a:r>
-              <a:rPr lang="en-US" sz="1100" b="1" dirty="0">
+              <a:rPr lang="en-US" sz="1200" b="1" dirty="0">
                 <a:solidFill>
                   <a:schemeClr val="bg1"/>
                 </a:solidFill>
@@ -30723,7 +31501,7 @@
               <a:t>dominates </a:t>
             </a:r>
             <a:r>
-              <a:rPr lang="en-US" sz="1100" dirty="0">
+              <a:rPr lang="en-US" sz="1200" dirty="0">
                 <a:solidFill>
                   <a:schemeClr val="bg1"/>
                 </a:solidFill>
@@ -30731,7 +31509,7 @@
               <a:t>another point </a:t>
             </a:r>
             <a:r>
-              <a:rPr lang="en-US" sz="1100" i="1" dirty="0">
+              <a:rPr lang="en-US" sz="1200" i="1" dirty="0">
                 <a:solidFill>
                   <a:schemeClr val="bg1"/>
                 </a:solidFill>
@@ -30739,7 +31517,7 @@
               <a:t>q</a:t>
             </a:r>
             <a:r>
-              <a:rPr lang="en-US" sz="1100" dirty="0">
+              <a:rPr lang="en-US" sz="1200" dirty="0">
                 <a:solidFill>
                   <a:schemeClr val="bg1"/>
                 </a:solidFill>
@@ -30747,7 +31525,7 @@
               <a:t>, when p is not worse than </a:t>
             </a:r>
             <a:r>
-              <a:rPr lang="en-US" sz="1100" i="1" dirty="0">
+              <a:rPr lang="en-US" sz="1200" i="1" dirty="0">
                 <a:solidFill>
                   <a:schemeClr val="bg1"/>
                 </a:solidFill>
@@ -30755,7 +31533,7 @@
               <a:t>q </a:t>
             </a:r>
             <a:r>
-              <a:rPr lang="en-US" sz="1100" dirty="0">
+              <a:rPr lang="en-US" sz="1200" dirty="0">
                 <a:solidFill>
                   <a:schemeClr val="bg1"/>
                 </a:solidFill>
@@ -30763,7 +31541,7 @@
               <a:t>in any of the d-dimensions, or </a:t>
             </a:r>
             <a:r>
-              <a:rPr lang="en-US" sz="1100" i="1" dirty="0">
+              <a:rPr lang="en-US" sz="1200" i="1" dirty="0">
                 <a:solidFill>
                   <a:schemeClr val="bg1"/>
                 </a:solidFill>
@@ -30771,7 +31549,7 @@
               <a:t>p </a:t>
             </a:r>
             <a:r>
-              <a:rPr lang="en-US" sz="1100" dirty="0">
+              <a:rPr lang="en-US" sz="1200" dirty="0">
                 <a:solidFill>
                   <a:schemeClr val="bg1"/>
                 </a:solidFill>
@@ -30779,7 +31557,7 @@
               <a:t>is better than</a:t>
             </a:r>
             <a:r>
-              <a:rPr lang="en-US" sz="1100" i="1" dirty="0">
+              <a:rPr lang="en-US" sz="1200" i="1" dirty="0">
                 <a:solidFill>
                   <a:schemeClr val="bg1"/>
                 </a:solidFill>
@@ -30787,14 +31565,14 @@
               <a:t> q </a:t>
             </a:r>
             <a:r>
-              <a:rPr lang="en-US" sz="1100" dirty="0">
+              <a:rPr lang="en-US" sz="1200" dirty="0">
                 <a:solidFill>
                   <a:schemeClr val="bg1"/>
                 </a:solidFill>
               </a:rPr>
               <a:t> in at least one of the d-dimensions.</a:t>
             </a:r>
-            <a:endParaRPr lang="en-150" sz="1100" b="1" dirty="0">
+            <a:endParaRPr lang="en-150" sz="1200" b="1" dirty="0">
               <a:solidFill>
                 <a:schemeClr val="bg1"/>
               </a:solidFill>
@@ -30827,7 +31605,7 @@
 </p:sld>
 </file>
 
-<file path=ppt/slides/slide5.xml><?xml version="1.0" encoding="utf-8"?>
+<file path=ppt/slides/slide6.xml><?xml version="1.0" encoding="utf-8"?>
 <p:sld xmlns:a="http://schemas.openxmlformats.org/drawingml/2006/main" xmlns:r="http://schemas.openxmlformats.org/officeDocument/2006/relationships" xmlns:p="http://schemas.openxmlformats.org/presentationml/2006/main">
   <p:cSld>
     <p:spTree>
@@ -30868,7 +31646,7 @@
             <a:fld id="{C263D6C4-4840-40CC-AC84-17E24B3B7BDE}" type="slidenum">
               <a:rPr lang="en-US" noProof="0" smtClean="0"/>
               <a:pPr/>
-              <a:t>5</a:t>
+              <a:t>6</a:t>
             </a:fld>
             <a:endParaRPr lang="en-US" noProof="0" dirty="0"/>
           </a:p>
@@ -30887,7 +31665,7 @@
 </p:sld>
 </file>
 
-<file path=ppt/slides/slide6.xml><?xml version="1.0" encoding="utf-8"?>
+<file path=ppt/slides/slide7.xml><?xml version="1.0" encoding="utf-8"?>
 <p:sld xmlns:a="http://schemas.openxmlformats.org/drawingml/2006/main" xmlns:r="http://schemas.openxmlformats.org/officeDocument/2006/relationships" xmlns:p="http://schemas.openxmlformats.org/presentationml/2006/main">
   <p:cSld>
     <p:spTree>
@@ -30920,10 +31698,15 @@
             <p:ph type="title"/>
           </p:nvPr>
         </p:nvSpPr>
-        <p:spPr/>
+        <p:spPr>
+          <a:xfrm>
+            <a:off x="832103" y="3886200"/>
+            <a:ext cx="8608229" cy="859055"/>
+          </a:xfrm>
+        </p:spPr>
         <p:txBody>
           <a:bodyPr>
-            <a:normAutofit fontScale="90000"/>
+            <a:normAutofit/>
           </a:bodyPr>
           <a:lstStyle/>
           <a:p>
@@ -30963,7 +31746,7 @@
             <a:fld id="{C263D6C4-4840-40CC-AC84-17E24B3B7BDE}" type="slidenum">
               <a:rPr lang="en-US" smtClean="0"/>
               <a:pPr/>
-              <a:t>6</a:t>
+              <a:t>7</a:t>
             </a:fld>
             <a:endParaRPr lang="en-US" dirty="0"/>
           </a:p>
@@ -30994,7 +31777,7 @@
 </p:sld>
 </file>
 
-<file path=ppt/slides/slide7.xml><?xml version="1.0" encoding="utf-8"?>
+<file path=ppt/slides/slide8.xml><?xml version="1.0" encoding="utf-8"?>
 <p:sld xmlns:a="http://schemas.openxmlformats.org/drawingml/2006/main" xmlns:r="http://schemas.openxmlformats.org/officeDocument/2006/relationships" xmlns:p="http://schemas.openxmlformats.org/presentationml/2006/main">
   <p:cSld>
     <p:spTree>
@@ -31063,7 +31846,7 @@
             <a:fld id="{C263D6C4-4840-40CC-AC84-17E24B3B7BDE}" type="slidenum">
               <a:rPr lang="en-US" smtClean="0"/>
               <a:pPr/>
-              <a:t>7</a:t>
+              <a:t>8</a:t>
             </a:fld>
             <a:endParaRPr lang="en-US" dirty="0"/>
           </a:p>
@@ -31243,7 +32026,7 @@
 </p:sld>
 </file>
 
-<file path=ppt/slides/slide8.xml><?xml version="1.0" encoding="utf-8"?>
+<file path=ppt/slides/slide9.xml><?xml version="1.0" encoding="utf-8"?>
 <p:sld xmlns:a="http://schemas.openxmlformats.org/drawingml/2006/main" xmlns:r="http://schemas.openxmlformats.org/officeDocument/2006/relationships" xmlns:p="http://schemas.openxmlformats.org/presentationml/2006/main">
   <p:cSld>
     <p:spTree>
@@ -31312,7 +32095,7 @@
             <a:fld id="{C263D6C4-4840-40CC-AC84-17E24B3B7BDE}" type="slidenum">
               <a:rPr lang="en-US" smtClean="0"/>
               <a:pPr/>
-              <a:t>8</a:t>
+              <a:t>9</a:t>
             </a:fld>
             <a:endParaRPr lang="en-US" dirty="0"/>
           </a:p>
@@ -31473,66 +32256,6 @@
       </p:transition>
     </mc:Fallback>
   </mc:AlternateContent>
-</p:sld>
-</file>
-
-<file path=ppt/slides/slide9.xml><?xml version="1.0" encoding="utf-8"?>
-<p:sld xmlns:a="http://schemas.openxmlformats.org/drawingml/2006/main" xmlns:r="http://schemas.openxmlformats.org/officeDocument/2006/relationships" xmlns:p="http://schemas.openxmlformats.org/presentationml/2006/main">
-  <p:cSld>
-    <p:spTree>
-      <p:nvGrpSpPr>
-        <p:cNvPr id="1" name=""/>
-        <p:cNvGrpSpPr/>
-        <p:nvPr/>
-      </p:nvGrpSpPr>
-      <p:grpSpPr>
-        <a:xfrm>
-          <a:off x="0" y="0"/>
-          <a:ext cx="0" cy="0"/>
-          <a:chOff x="0" y="0"/>
-          <a:chExt cx="0" cy="0"/>
-        </a:xfrm>
-      </p:grpSpPr>
-      <p:sp>
-        <p:nvSpPr>
-          <p:cNvPr id="2" name="Slide Number Placeholder 1">
-            <a:extLst>
-              <a:ext uri="{FF2B5EF4-FFF2-40B4-BE49-F238E27FC236}">
-                <a16:creationId xmlns:a16="http://schemas.microsoft.com/office/drawing/2014/main" id="{ED5D82C7-8910-CEE9-A138-FEAA3F66FEC7}"/>
-              </a:ext>
-            </a:extLst>
-          </p:cNvPr>
-          <p:cNvSpPr>
-            <a:spLocks noGrp="1"/>
-          </p:cNvSpPr>
-          <p:nvPr>
-            <p:ph type="sldNum" sz="quarter" idx="12"/>
-          </p:nvPr>
-        </p:nvSpPr>
-        <p:spPr/>
-        <p:txBody>
-          <a:bodyPr/>
-          <a:lstStyle/>
-          <a:p>
-            <a:fld id="{C263D6C4-4840-40CC-AC84-17E24B3B7BDE}" type="slidenum">
-              <a:rPr lang="en-US" noProof="0" smtClean="0"/>
-              <a:pPr/>
-              <a:t>9</a:t>
-            </a:fld>
-            <a:endParaRPr lang="en-US" noProof="0" dirty="0"/>
-          </a:p>
-        </p:txBody>
-      </p:sp>
-    </p:spTree>
-    <p:extLst>
-      <p:ext uri="{BB962C8B-B14F-4D97-AF65-F5344CB8AC3E}">
-        <p14:creationId xmlns:p14="http://schemas.microsoft.com/office/powerpoint/2010/main" val="1592003877"/>
-      </p:ext>
-    </p:extLst>
-  </p:cSld>
-  <p:clrMapOvr>
-    <a:masterClrMapping/>
-  </p:clrMapOvr>
 </p:sld>
 </file>
 
@@ -32539,20 +33262,20 @@
 </file>
 
 <file path=customXml/item2.xml><?xml version="1.0" encoding="utf-8"?>
+<p:properties xmlns:p="http://schemas.microsoft.com/office/2006/metadata/properties" xmlns:xsi="http://www.w3.org/2001/XMLSchema-instance" xmlns:pc="http://schemas.microsoft.com/office/infopath/2007/PartnerControls">
+  <documentManagement>
+    <MediaServiceKeyPoints xmlns="71af3243-3dd4-4a8d-8c0d-dd76da1f02a5" xsi:nil="true"/>
+  </documentManagement>
+</p:properties>
+</file>
+
+<file path=customXml/item3.xml><?xml version="1.0" encoding="utf-8"?>
 <?mso-contentType ?>
 <FormTemplates xmlns="http://schemas.microsoft.com/sharepoint/v3/contenttype/forms">
   <Display>DocumentLibraryForm</Display>
   <Edit>DocumentLibraryForm</Edit>
   <New>DocumentLibraryForm</New>
 </FormTemplates>
-</file>
-
-<file path=customXml/item3.xml><?xml version="1.0" encoding="utf-8"?>
-<p:properties xmlns:p="http://schemas.microsoft.com/office/2006/metadata/properties" xmlns:xsi="http://www.w3.org/2001/XMLSchema-instance" xmlns:pc="http://schemas.microsoft.com/office/infopath/2007/PartnerControls">
-  <documentManagement>
-    <MediaServiceKeyPoints xmlns="71af3243-3dd4-4a8d-8c0d-dd76da1f02a5" xsi:nil="true"/>
-  </documentManagement>
-</p:properties>
 </file>
 
 <file path=customXml/itemProps1.xml><?xml version="1.0" encoding="utf-8"?>
@@ -32575,14 +33298,6 @@
 </file>
 
 <file path=customXml/itemProps2.xml><?xml version="1.0" encoding="utf-8"?>
-<ds:datastoreItem xmlns:ds="http://schemas.openxmlformats.org/officeDocument/2006/customXml" ds:itemID="{5B26E0C9-B2AA-42E6-97B6-E1B7D9EAF129}">
-  <ds:schemaRefs>
-    <ds:schemaRef ds:uri="http://schemas.microsoft.com/sharepoint/v3/contenttype/forms"/>
-  </ds:schemaRefs>
-</ds:datastoreItem>
-</file>
-
-<file path=customXml/itemProps3.xml><?xml version="1.0" encoding="utf-8"?>
 <ds:datastoreItem xmlns:ds="http://schemas.openxmlformats.org/officeDocument/2006/customXml" ds:itemID="{F5757914-1161-4661-9696-421FD6935CDD}">
   <ds:schemaRefs>
     <ds:schemaRef ds:uri="http://schemas.microsoft.com/office/2006/documentManagement/types"/>
@@ -32597,4 +33312,12 @@
     <ds:schemaRef ds:uri="http://purl.org/dc/elements/1.1/"/>
   </ds:schemaRefs>
 </ds:datastoreItem>
+</file>
+
+<file path=customXml/itemProps3.xml><?xml version="1.0" encoding="utf-8"?>
+<ds:datastoreItem xmlns:ds="http://schemas.openxmlformats.org/officeDocument/2006/customXml" ds:itemID="{5B26E0C9-B2AA-42E6-97B6-E1B7D9EAF129}">
+  <ds:schemaRefs>
+    <ds:schemaRef ds:uri="http://schemas.microsoft.com/sharepoint/v3/contenttype/forms"/>
+  </ds:schemaRefs>
+</ds:datastoreItem>
 </file>